--- a/FAIR Open Course - Module 01b - Cognitive Biases.pptx
+++ b/FAIR Open Course - Module 01b - Cognitive Biases.pptx
@@ -41,9 +41,9 @@
     <p:sldId id="434" r:id="rId32"/>
     <p:sldId id="437" r:id="rId33"/>
     <p:sldId id="440" r:id="rId34"/>
-    <p:sldId id="438" r:id="rId35"/>
-    <p:sldId id="442" r:id="rId36"/>
-    <p:sldId id="444" r:id="rId37"/>
+    <p:sldId id="442" r:id="rId35"/>
+    <p:sldId id="444" r:id="rId36"/>
+    <p:sldId id="438" r:id="rId37"/>
     <p:sldId id="441" r:id="rId38"/>
     <p:sldId id="439" r:id="rId39"/>
     <p:sldId id="445" r:id="rId40"/>
@@ -156,7 +156,7 @@
             <a:srgbClr val="A4A3A4"/>
           </p15:clr>
         </p15:guide>
-        <p15:guide id="3" orient="horz" pos="2160">
+        <p15:guide id="3" orient="horz" pos="1139" userDrawn="1">
           <p15:clr>
             <a:srgbClr val="A4A3A4"/>
           </p15:clr>
@@ -170,7 +170,7 @@
 <file path=ppt/revisionInfo.xml><?xml version="1.0" encoding="utf-8"?>
 <p1510:revInfo xmlns:a="http://schemas.openxmlformats.org/drawingml/2006/main" xmlns:r="http://schemas.openxmlformats.org/officeDocument/2006/relationships" xmlns:p1510="http://schemas.microsoft.com/office/powerpoint/2015/10/main">
   <p1510:revLst>
-    <p1510:client id="{FF953BC3-4DC3-4F4D-A593-404B3ED13A70}" v="9" dt="2019-09-14T11:00:53.915"/>
+    <p1510:client id="{FF953BC3-4DC3-4F4D-A593-404B3ED13A70}" v="32" dt="2019-09-21T10:26:24.933"/>
   </p1510:revLst>
 </p1510:revInfo>
 </file>
@@ -2289,18 +2289,18 @@
   <pc:docChgLst>
     <pc:chgData name="Osama Salah" userId="59b259a29da0d6d3" providerId="LiveId" clId="{FF953BC3-4DC3-4F4D-A593-404B3ED13A70}"/>
     <pc:docChg chg="custSel addSld modSld sldOrd">
-      <pc:chgData name="Osama Salah" userId="59b259a29da0d6d3" providerId="LiveId" clId="{FF953BC3-4DC3-4F4D-A593-404B3ED13A70}" dt="2019-09-14T11:00:53.915" v="226"/>
+      <pc:chgData name="Osama Salah" userId="59b259a29da0d6d3" providerId="LiveId" clId="{FF953BC3-4DC3-4F4D-A593-404B3ED13A70}" dt="2019-09-21T10:28:13.822" v="317" actId="20577"/>
       <pc:docMkLst>
         <pc:docMk/>
       </pc:docMkLst>
       <pc:sldChg chg="addSp modSp">
-        <pc:chgData name="Osama Salah" userId="59b259a29da0d6d3" providerId="LiveId" clId="{FF953BC3-4DC3-4F4D-A593-404B3ED13A70}" dt="2019-09-14T11:00:53.915" v="226"/>
+        <pc:chgData name="Osama Salah" userId="59b259a29da0d6d3" providerId="LiveId" clId="{FF953BC3-4DC3-4F4D-A593-404B3ED13A70}" dt="2019-09-21T10:28:13.822" v="317" actId="20577"/>
         <pc:sldMkLst>
           <pc:docMk/>
           <pc:sldMk cId="4039214192" sldId="400"/>
         </pc:sldMkLst>
         <pc:spChg chg="mod">
-          <ac:chgData name="Osama Salah" userId="59b259a29da0d6d3" providerId="LiveId" clId="{FF953BC3-4DC3-4F4D-A593-404B3ED13A70}" dt="2019-09-14T11:00:53.915" v="226"/>
+          <ac:chgData name="Osama Salah" userId="59b259a29da0d6d3" providerId="LiveId" clId="{FF953BC3-4DC3-4F4D-A593-404B3ED13A70}" dt="2019-09-21T10:28:13.822" v="317" actId="20577"/>
           <ac:spMkLst>
             <pc:docMk/>
             <pc:sldMk cId="4039214192" sldId="400"/>
@@ -3008,8 +3008,8 @@
           </ac:spMkLst>
         </pc:spChg>
       </pc:sldChg>
-      <pc:sldChg chg="addSp modSp">
-        <pc:chgData name="Osama Salah" userId="59b259a29da0d6d3" providerId="LiveId" clId="{FF953BC3-4DC3-4F4D-A593-404B3ED13A70}" dt="2019-09-08T15:55:59.762" v="136" actId="113"/>
+      <pc:sldChg chg="addSp delSp modSp">
+        <pc:chgData name="Osama Salah" userId="59b259a29da0d6d3" providerId="LiveId" clId="{FF953BC3-4DC3-4F4D-A593-404B3ED13A70}" dt="2019-09-15T14:35:04.506" v="242" actId="1076"/>
         <pc:sldMkLst>
           <pc:docMk/>
           <pc:sldMk cId="2274170997" sldId="431"/>
@@ -3030,9 +3030,73 @@
             <ac:spMk id="4" creationId="{B0E1869F-4855-C949-9983-2F0A0BC3F359}"/>
           </ac:spMkLst>
         </pc:spChg>
+        <pc:picChg chg="del">
+          <ac:chgData name="Osama Salah" userId="59b259a29da0d6d3" providerId="LiveId" clId="{FF953BC3-4DC3-4F4D-A593-404B3ED13A70}" dt="2019-09-15T14:34:13.677" v="229" actId="478"/>
+          <ac:picMkLst>
+            <pc:docMk/>
+            <pc:sldMk cId="2274170997" sldId="431"/>
+            <ac:picMk id="5" creationId="{62D0BBF1-0AD7-CB4F-8589-0047B0CAA22A}"/>
+          </ac:picMkLst>
+        </pc:picChg>
+        <pc:picChg chg="del">
+          <ac:chgData name="Osama Salah" userId="59b259a29da0d6d3" providerId="LiveId" clId="{FF953BC3-4DC3-4F4D-A593-404B3ED13A70}" dt="2019-09-15T14:34:14.457" v="230" actId="478"/>
+          <ac:picMkLst>
+            <pc:docMk/>
+            <pc:sldMk cId="2274170997" sldId="431"/>
+            <ac:picMk id="6" creationId="{4C09823D-B6C5-9F4D-A7FE-9686FE119390}"/>
+          </ac:picMkLst>
+        </pc:picChg>
+        <pc:picChg chg="del">
+          <ac:chgData name="Osama Salah" userId="59b259a29da0d6d3" providerId="LiveId" clId="{FF953BC3-4DC3-4F4D-A593-404B3ED13A70}" dt="2019-09-15T14:34:15.147" v="231" actId="478"/>
+          <ac:picMkLst>
+            <pc:docMk/>
+            <pc:sldMk cId="2274170997" sldId="431"/>
+            <ac:picMk id="7" creationId="{23BBCA2C-4606-B04B-A327-82A52E9BD363}"/>
+          </ac:picMkLst>
+        </pc:picChg>
+        <pc:picChg chg="del">
+          <ac:chgData name="Osama Salah" userId="59b259a29da0d6d3" providerId="LiveId" clId="{FF953BC3-4DC3-4F4D-A593-404B3ED13A70}" dt="2019-09-15T14:34:15.986" v="232" actId="478"/>
+          <ac:picMkLst>
+            <pc:docMk/>
+            <pc:sldMk cId="2274170997" sldId="431"/>
+            <ac:picMk id="8" creationId="{03E7120F-BA8C-3E49-AA58-15A377ACD0E3}"/>
+          </ac:picMkLst>
+        </pc:picChg>
+        <pc:picChg chg="add mod">
+          <ac:chgData name="Osama Salah" userId="59b259a29da0d6d3" providerId="LiveId" clId="{FF953BC3-4DC3-4F4D-A593-404B3ED13A70}" dt="2019-09-15T14:35:04.506" v="242" actId="1076"/>
+          <ac:picMkLst>
+            <pc:docMk/>
+            <pc:sldMk cId="2274170997" sldId="431"/>
+            <ac:picMk id="9" creationId="{D20F9390-B79D-7048-BFBF-4FDE86EAD531}"/>
+          </ac:picMkLst>
+        </pc:picChg>
+        <pc:picChg chg="add mod">
+          <ac:chgData name="Osama Salah" userId="59b259a29da0d6d3" providerId="LiveId" clId="{FF953BC3-4DC3-4F4D-A593-404B3ED13A70}" dt="2019-09-15T14:35:04.506" v="242" actId="1076"/>
+          <ac:picMkLst>
+            <pc:docMk/>
+            <pc:sldMk cId="2274170997" sldId="431"/>
+            <ac:picMk id="17" creationId="{73B80C92-C203-0B41-B801-08358E2D90A4}"/>
+          </ac:picMkLst>
+        </pc:picChg>
+        <pc:picChg chg="add mod">
+          <ac:chgData name="Osama Salah" userId="59b259a29da0d6d3" providerId="LiveId" clId="{FF953BC3-4DC3-4F4D-A593-404B3ED13A70}" dt="2019-09-15T14:35:04.506" v="242" actId="1076"/>
+          <ac:picMkLst>
+            <pc:docMk/>
+            <pc:sldMk cId="2274170997" sldId="431"/>
+            <ac:picMk id="19" creationId="{75FB5A9B-8356-E647-883E-1DFBB4481A09}"/>
+          </ac:picMkLst>
+        </pc:picChg>
+        <pc:picChg chg="add mod">
+          <ac:chgData name="Osama Salah" userId="59b259a29da0d6d3" providerId="LiveId" clId="{FF953BC3-4DC3-4F4D-A593-404B3ED13A70}" dt="2019-09-15T14:35:04.506" v="242" actId="1076"/>
+          <ac:picMkLst>
+            <pc:docMk/>
+            <pc:sldMk cId="2274170997" sldId="431"/>
+            <ac:picMk id="20" creationId="{55CCDD91-0FCF-0E40-A428-C570C8D8A575}"/>
+          </ac:picMkLst>
+        </pc:picChg>
       </pc:sldChg>
-      <pc:sldChg chg="addSp modSp">
-        <pc:chgData name="Osama Salah" userId="59b259a29da0d6d3" providerId="LiveId" clId="{FF953BC3-4DC3-4F4D-A593-404B3ED13A70}" dt="2019-09-08T15:56:04.636" v="137" actId="113"/>
+      <pc:sldChg chg="addSp delSp modSp modAnim">
+        <pc:chgData name="Osama Salah" userId="59b259a29da0d6d3" providerId="LiveId" clId="{FF953BC3-4DC3-4F4D-A593-404B3ED13A70}" dt="2019-09-15T14:38:25.135" v="266"/>
         <pc:sldMkLst>
           <pc:docMk/>
           <pc:sldMk cId="3369953491" sldId="432"/>
@@ -3053,6 +3117,158 @@
             <ac:spMk id="11" creationId="{D605F4D4-AC66-1943-B7A0-73A0BE40BBB6}"/>
           </ac:spMkLst>
         </pc:spChg>
+        <pc:grpChg chg="del">
+          <ac:chgData name="Osama Salah" userId="59b259a29da0d6d3" providerId="LiveId" clId="{FF953BC3-4DC3-4F4D-A593-404B3ED13A70}" dt="2019-09-15T14:35:23.744" v="243" actId="478"/>
+          <ac:grpSpMkLst>
+            <pc:docMk/>
+            <pc:sldMk cId="3369953491" sldId="432"/>
+            <ac:grpSpMk id="10" creationId="{4F2F7B8A-7F2A-3F42-A9D4-0725249C4182}"/>
+          </ac:grpSpMkLst>
+        </pc:grpChg>
+        <pc:grpChg chg="add mod">
+          <ac:chgData name="Osama Salah" userId="59b259a29da0d6d3" providerId="LiveId" clId="{FF953BC3-4DC3-4F4D-A593-404B3ED13A70}" dt="2019-09-15T14:36:35.238" v="257" actId="164"/>
+          <ac:grpSpMkLst>
+            <pc:docMk/>
+            <pc:sldMk cId="3369953491" sldId="432"/>
+            <ac:grpSpMk id="13" creationId="{0523A26D-9E14-F44D-B9CD-E65411B73B48}"/>
+          </ac:grpSpMkLst>
+        </pc:grpChg>
+        <pc:grpChg chg="add mod">
+          <ac:chgData name="Osama Salah" userId="59b259a29da0d6d3" providerId="LiveId" clId="{FF953BC3-4DC3-4F4D-A593-404B3ED13A70}" dt="2019-09-15T14:36:42.713" v="258" actId="164"/>
+          <ac:grpSpMkLst>
+            <pc:docMk/>
+            <pc:sldMk cId="3369953491" sldId="432"/>
+            <ac:grpSpMk id="14" creationId="{9A4F9DB3-E669-8F48-A9EA-8C5A55A2250E}"/>
+          </ac:grpSpMkLst>
+        </pc:grpChg>
+        <pc:grpChg chg="add mod">
+          <ac:chgData name="Osama Salah" userId="59b259a29da0d6d3" providerId="LiveId" clId="{FF953BC3-4DC3-4F4D-A593-404B3ED13A70}" dt="2019-09-15T14:37:45.655" v="261" actId="164"/>
+          <ac:grpSpMkLst>
+            <pc:docMk/>
+            <pc:sldMk cId="3369953491" sldId="432"/>
+            <ac:grpSpMk id="15" creationId="{0C34B6B1-7F9B-CB46-9683-5BCADC50B5EC}"/>
+          </ac:grpSpMkLst>
+        </pc:grpChg>
+        <pc:grpChg chg="del">
+          <ac:chgData name="Osama Salah" userId="59b259a29da0d6d3" providerId="LiveId" clId="{FF953BC3-4DC3-4F4D-A593-404B3ED13A70}" dt="2019-09-15T14:35:48.354" v="248" actId="165"/>
+          <ac:grpSpMkLst>
+            <pc:docMk/>
+            <pc:sldMk cId="3369953491" sldId="432"/>
+            <ac:grpSpMk id="24" creationId="{B312579A-E9F6-4041-BEA5-F1569E9B1A1F}"/>
+          </ac:grpSpMkLst>
+        </pc:grpChg>
+        <pc:picChg chg="mod topLvl">
+          <ac:chgData name="Osama Salah" userId="59b259a29da0d6d3" providerId="LiveId" clId="{FF953BC3-4DC3-4F4D-A593-404B3ED13A70}" dt="2019-09-15T14:37:45.655" v="261" actId="164"/>
+          <ac:picMkLst>
+            <pc:docMk/>
+            <pc:sldMk cId="3369953491" sldId="432"/>
+            <ac:picMk id="4" creationId="{3EDD07C7-C7B5-E346-8119-CBEA4584DE57}"/>
+          </ac:picMkLst>
+        </pc:picChg>
+        <pc:picChg chg="del mod topLvl">
+          <ac:chgData name="Osama Salah" userId="59b259a29da0d6d3" providerId="LiveId" clId="{FF953BC3-4DC3-4F4D-A593-404B3ED13A70}" dt="2019-09-15T14:35:52.709" v="252" actId="478"/>
+          <ac:picMkLst>
+            <pc:docMk/>
+            <pc:sldMk cId="3369953491" sldId="432"/>
+            <ac:picMk id="19" creationId="{8A455886-E7FE-DB44-A1B3-8C997336E64C}"/>
+          </ac:picMkLst>
+        </pc:picChg>
+        <pc:picChg chg="del mod topLvl">
+          <ac:chgData name="Osama Salah" userId="59b259a29da0d6d3" providerId="LiveId" clId="{FF953BC3-4DC3-4F4D-A593-404B3ED13A70}" dt="2019-09-15T14:35:51.988" v="251" actId="478"/>
+          <ac:picMkLst>
+            <pc:docMk/>
+            <pc:sldMk cId="3369953491" sldId="432"/>
+            <ac:picMk id="20" creationId="{250E8CAE-A84F-9F45-AF2C-520DD22AA96B}"/>
+          </ac:picMkLst>
+        </pc:picChg>
+        <pc:picChg chg="del mod topLvl">
+          <ac:chgData name="Osama Salah" userId="59b259a29da0d6d3" providerId="LiveId" clId="{FF953BC3-4DC3-4F4D-A593-404B3ED13A70}" dt="2019-09-15T14:35:51.268" v="250" actId="478"/>
+          <ac:picMkLst>
+            <pc:docMk/>
+            <pc:sldMk cId="3369953491" sldId="432"/>
+            <ac:picMk id="21" creationId="{41642576-44F2-6749-955C-D085D9C131B1}"/>
+          </ac:picMkLst>
+        </pc:picChg>
+        <pc:picChg chg="del mod topLvl">
+          <ac:chgData name="Osama Salah" userId="59b259a29da0d6d3" providerId="LiveId" clId="{FF953BC3-4DC3-4F4D-A593-404B3ED13A70}" dt="2019-09-15T14:35:50.578" v="249" actId="478"/>
+          <ac:picMkLst>
+            <pc:docMk/>
+            <pc:sldMk cId="3369953491" sldId="432"/>
+            <ac:picMk id="22" creationId="{32B3D910-41FE-724B-B925-E12B72BC5B6A}"/>
+          </ac:picMkLst>
+        </pc:picChg>
+        <pc:picChg chg="add mod">
+          <ac:chgData name="Osama Salah" userId="59b259a29da0d6d3" providerId="LiveId" clId="{FF953BC3-4DC3-4F4D-A593-404B3ED13A70}" dt="2019-09-15T14:36:42.713" v="258" actId="164"/>
+          <ac:picMkLst>
+            <pc:docMk/>
+            <pc:sldMk cId="3369953491" sldId="432"/>
+            <ac:picMk id="23" creationId="{039BCF7D-44E4-8743-A098-9FF15561C57E}"/>
+          </ac:picMkLst>
+        </pc:picChg>
+        <pc:picChg chg="add mod">
+          <ac:chgData name="Osama Salah" userId="59b259a29da0d6d3" providerId="LiveId" clId="{FF953BC3-4DC3-4F4D-A593-404B3ED13A70}" dt="2019-09-15T14:36:42.713" v="258" actId="164"/>
+          <ac:picMkLst>
+            <pc:docMk/>
+            <pc:sldMk cId="3369953491" sldId="432"/>
+            <ac:picMk id="26" creationId="{A0B1FCB4-5715-B547-9391-A600C71AC4C3}"/>
+          </ac:picMkLst>
+        </pc:picChg>
+        <pc:picChg chg="add mod">
+          <ac:chgData name="Osama Salah" userId="59b259a29da0d6d3" providerId="LiveId" clId="{FF953BC3-4DC3-4F4D-A593-404B3ED13A70}" dt="2019-09-15T14:36:42.713" v="258" actId="164"/>
+          <ac:picMkLst>
+            <pc:docMk/>
+            <pc:sldMk cId="3369953491" sldId="432"/>
+            <ac:picMk id="27" creationId="{FAF8D3A7-4223-AD4C-B4D1-F4DB07FD87BD}"/>
+          </ac:picMkLst>
+        </pc:picChg>
+        <pc:picChg chg="add mod">
+          <ac:chgData name="Osama Salah" userId="59b259a29da0d6d3" providerId="LiveId" clId="{FF953BC3-4DC3-4F4D-A593-404B3ED13A70}" dt="2019-09-15T14:36:42.713" v="258" actId="164"/>
+          <ac:picMkLst>
+            <pc:docMk/>
+            <pc:sldMk cId="3369953491" sldId="432"/>
+            <ac:picMk id="28" creationId="{4D6D6745-DDC4-4547-B03A-BF2FD55A7A76}"/>
+          </ac:picMkLst>
+        </pc:picChg>
+        <pc:picChg chg="add mod">
+          <ac:chgData name="Osama Salah" userId="59b259a29da0d6d3" providerId="LiveId" clId="{FF953BC3-4DC3-4F4D-A593-404B3ED13A70}" dt="2019-09-15T14:36:42.713" v="258" actId="164"/>
+          <ac:picMkLst>
+            <pc:docMk/>
+            <pc:sldMk cId="3369953491" sldId="432"/>
+            <ac:picMk id="29" creationId="{7DD6909C-55C6-A742-A0D3-33D711833C74}"/>
+          </ac:picMkLst>
+        </pc:picChg>
+        <pc:picChg chg="add mod">
+          <ac:chgData name="Osama Salah" userId="59b259a29da0d6d3" providerId="LiveId" clId="{FF953BC3-4DC3-4F4D-A593-404B3ED13A70}" dt="2019-09-15T14:37:45.655" v="261" actId="164"/>
+          <ac:picMkLst>
+            <pc:docMk/>
+            <pc:sldMk cId="3369953491" sldId="432"/>
+            <ac:picMk id="30" creationId="{C9E2F584-4BA0-BB47-9690-1E40506C8F63}"/>
+          </ac:picMkLst>
+        </pc:picChg>
+        <pc:picChg chg="add mod">
+          <ac:chgData name="Osama Salah" userId="59b259a29da0d6d3" providerId="LiveId" clId="{FF953BC3-4DC3-4F4D-A593-404B3ED13A70}" dt="2019-09-15T14:37:45.655" v="261" actId="164"/>
+          <ac:picMkLst>
+            <pc:docMk/>
+            <pc:sldMk cId="3369953491" sldId="432"/>
+            <ac:picMk id="31" creationId="{B057D5DF-54AD-9149-B4E5-AAD76BA1AEA5}"/>
+          </ac:picMkLst>
+        </pc:picChg>
+        <pc:picChg chg="add mod">
+          <ac:chgData name="Osama Salah" userId="59b259a29da0d6d3" providerId="LiveId" clId="{FF953BC3-4DC3-4F4D-A593-404B3ED13A70}" dt="2019-09-15T14:37:45.655" v="261" actId="164"/>
+          <ac:picMkLst>
+            <pc:docMk/>
+            <pc:sldMk cId="3369953491" sldId="432"/>
+            <ac:picMk id="32" creationId="{A0530919-6F5B-D842-80AE-F2F699D1EF74}"/>
+          </ac:picMkLst>
+        </pc:picChg>
+        <pc:picChg chg="add mod">
+          <ac:chgData name="Osama Salah" userId="59b259a29da0d6d3" providerId="LiveId" clId="{FF953BC3-4DC3-4F4D-A593-404B3ED13A70}" dt="2019-09-15T14:37:45.655" v="261" actId="164"/>
+          <ac:picMkLst>
+            <pc:docMk/>
+            <pc:sldMk cId="3369953491" sldId="432"/>
+            <ac:picMk id="33" creationId="{BB3138B5-7D84-E24A-BE3B-6B43FE9FD2DE}"/>
+          </ac:picMkLst>
+        </pc:picChg>
       </pc:sldChg>
       <pc:sldChg chg="addSp modSp">
         <pc:chgData name="Osama Salah" userId="59b259a29da0d6d3" providerId="LiveId" clId="{FF953BC3-4DC3-4F4D-A593-404B3ED13A70}" dt="2019-09-08T15:56:13.508" v="139" actId="113"/>
@@ -3123,8 +3339,8 @@
           </ac:spMkLst>
         </pc:spChg>
       </pc:sldChg>
-      <pc:sldChg chg="addSp delSp modSp">
-        <pc:chgData name="Osama Salah" userId="59b259a29da0d6d3" providerId="LiveId" clId="{FF953BC3-4DC3-4F4D-A593-404B3ED13A70}" dt="2019-09-08T15:57:35.272" v="172" actId="20577"/>
+      <pc:sldChg chg="addSp delSp modSp ord">
+        <pc:chgData name="Osama Salah" userId="59b259a29da0d6d3" providerId="LiveId" clId="{FF953BC3-4DC3-4F4D-A593-404B3ED13A70}" dt="2019-09-21T10:25:36.739" v="267"/>
         <pc:sldMkLst>
           <pc:docMk/>
           <pc:sldMk cId="3399978269" sldId="438"/>
@@ -3248,7 +3464,7 @@
         </pc:spChg>
       </pc:sldChg>
       <pc:sldChg chg="addSp modSp">
-        <pc:chgData name="Osama Salah" userId="59b259a29da0d6d3" providerId="LiveId" clId="{FF953BC3-4DC3-4F4D-A593-404B3ED13A70}" dt="2019-09-08T15:57:41.887" v="179" actId="20577"/>
+        <pc:chgData name="Osama Salah" userId="59b259a29da0d6d3" providerId="LiveId" clId="{FF953BC3-4DC3-4F4D-A593-404B3ED13A70}" dt="2019-09-21T10:27:07.548" v="313" actId="20577"/>
         <pc:sldMkLst>
           <pc:docMk/>
           <pc:sldMk cId="176589515" sldId="442"/>
@@ -3261,12 +3477,36 @@
             <ac:spMk id="2" creationId="{EC50755B-301B-1842-ABE0-CB7AA0233934}"/>
           </ac:spMkLst>
         </pc:spChg>
+        <pc:spChg chg="mod">
+          <ac:chgData name="Osama Salah" userId="59b259a29da0d6d3" providerId="LiveId" clId="{FF953BC3-4DC3-4F4D-A593-404B3ED13A70}" dt="2019-09-21T10:27:07.548" v="313" actId="20577"/>
+          <ac:spMkLst>
+            <pc:docMk/>
+            <pc:sldMk cId="176589515" sldId="442"/>
+            <ac:spMk id="3" creationId="{687B43B9-551C-9E4D-AD2E-793703C03A00}"/>
+          </ac:spMkLst>
+        </pc:spChg>
         <pc:spChg chg="add mod">
           <ac:chgData name="Osama Salah" userId="59b259a29da0d6d3" providerId="LiveId" clId="{FF953BC3-4DC3-4F4D-A593-404B3ED13A70}" dt="2019-09-08T15:41:42.955" v="2"/>
           <ac:spMkLst>
             <pc:docMk/>
             <pc:sldMk cId="176589515" sldId="442"/>
             <ac:spMk id="4" creationId="{E7C62958-4881-F24C-BFD6-451AE6D7FB5F}"/>
+          </ac:spMkLst>
+        </pc:spChg>
+        <pc:spChg chg="add mod">
+          <ac:chgData name="Osama Salah" userId="59b259a29da0d6d3" providerId="LiveId" clId="{FF953BC3-4DC3-4F4D-A593-404B3ED13A70}" dt="2019-09-21T10:26:57.141" v="308" actId="14100"/>
+          <ac:spMkLst>
+            <pc:docMk/>
+            <pc:sldMk cId="176589515" sldId="442"/>
+            <ac:spMk id="6" creationId="{EE29A718-5AAB-584C-BDE3-D6BBCFE050B9}"/>
+          </ac:spMkLst>
+        </pc:spChg>
+        <pc:spChg chg="add mod">
+          <ac:chgData name="Osama Salah" userId="59b259a29da0d6d3" providerId="LiveId" clId="{FF953BC3-4DC3-4F4D-A593-404B3ED13A70}" dt="2019-09-21T10:27:03.005" v="311" actId="404"/>
+          <ac:spMkLst>
+            <pc:docMk/>
+            <pc:sldMk cId="176589515" sldId="442"/>
+            <ac:spMk id="7" creationId="{D7C891D5-819D-8640-BE15-AB104C224B02}"/>
           </ac:spMkLst>
         </pc:spChg>
       </pc:sldChg>
@@ -3472,7 +3712,7 @@
           <a:p>
             <a:fld id="{5EA508DD-885D-8841-BDC7-F6C31570DCC2}" type="datetimeFigureOut">
               <a:rPr lang="en-US" smtClean="0"/>
-              <a:t>9/14/19</a:t>
+              <a:t>9/21/19</a:t>
             </a:fld>
             <a:endParaRPr lang="en-US"/>
           </a:p>
@@ -3869,9 +4109,6 @@
           <a:p>
             <a:endParaRPr lang="en-US" dirty="0"/>
           </a:p>
-          <a:p>
-            <a:endParaRPr lang="en-US" dirty="0"/>
-          </a:p>
         </p:txBody>
       </p:sp>
       <p:sp>
@@ -3891,7 +4128,7 @@
           <a:p>
             <a:fld id="{D21DB0F9-7AA4-A245-900D-1B5447B08339}" type="slidenum">
               <a:rPr lang="en-US" smtClean="0"/>
-              <a:t>12</a:t>
+              <a:t>9</a:t>
             </a:fld>
             <a:endParaRPr lang="en-US"/>
           </a:p>
@@ -3900,7 +4137,7 @@
     </p:spTree>
     <p:extLst>
       <p:ext uri="{BB962C8B-B14F-4D97-AF65-F5344CB8AC3E}">
-        <p14:creationId xmlns:p14="http://schemas.microsoft.com/office/powerpoint/2010/main" val="3138310804"/>
+        <p14:creationId xmlns:p14="http://schemas.microsoft.com/office/powerpoint/2010/main" val="2084282188"/>
       </p:ext>
     </p:extLst>
   </p:cSld>
@@ -3954,288 +4191,10 @@
           <a:bodyPr/>
           <a:lstStyle/>
           <a:p>
-            <a:r>
-              <a:rPr lang="en-US" sz="2400" dirty="0">
-                <a:hlinkClick r:id="rId3"/>
-              </a:rPr>
-              <a:t>https://en.wikipedia.org/wiki/Gary_A._Klein</a:t>
-            </a:r>
-            <a:endParaRPr lang="en-US" sz="2400" dirty="0"/>
-          </a:p>
-          <a:p>
-            <a:r>
-              <a:rPr lang="en-US" sz="2400" dirty="0">
-                <a:hlinkClick r:id="rId4"/>
-              </a:rPr>
-              <a:t>https://en.wikipedia.org/wiki/Pre-mortem</a:t>
-            </a:r>
-            <a:endParaRPr lang="en-US" sz="2400" dirty="0"/>
-          </a:p>
-          <a:p>
-            <a:endParaRPr lang="en-US" sz="2400" dirty="0"/>
-          </a:p>
-          <a:p>
-            <a:r>
-              <a:rPr lang="en-US" sz="2400" b="0" i="0" kern="1200" dirty="0">
-                <a:solidFill>
-                  <a:schemeClr val="tx1"/>
-                </a:solidFill>
-                <a:effectLst/>
-                <a:latin typeface="+mn-lt"/>
-                <a:ea typeface="+mn-ea"/>
-                <a:cs typeface="+mn-cs"/>
-              </a:rPr>
-              <a:t>A </a:t>
-            </a:r>
-            <a:r>
-              <a:rPr lang="en-US" sz="2400" b="1" i="0" kern="1200" dirty="0">
-                <a:solidFill>
-                  <a:schemeClr val="tx1"/>
-                </a:solidFill>
-                <a:effectLst/>
-                <a:latin typeface="+mn-lt"/>
-                <a:ea typeface="+mn-ea"/>
-                <a:cs typeface="+mn-cs"/>
-              </a:rPr>
-              <a:t>pre-mortem</a:t>
-            </a:r>
-            <a:r>
-              <a:rPr lang="en-US" sz="2400" b="0" i="0" kern="1200" dirty="0">
-                <a:solidFill>
-                  <a:schemeClr val="tx1"/>
-                </a:solidFill>
-                <a:effectLst/>
-                <a:latin typeface="+mn-lt"/>
-                <a:ea typeface="+mn-ea"/>
-                <a:cs typeface="+mn-cs"/>
-              </a:rPr>
-              <a:t> — also known as a </a:t>
-            </a:r>
-            <a:r>
-              <a:rPr lang="en-US" sz="2400" b="1" i="0" kern="1200" dirty="0">
-                <a:solidFill>
-                  <a:schemeClr val="tx1"/>
-                </a:solidFill>
-                <a:effectLst/>
-                <a:latin typeface="+mn-lt"/>
-                <a:ea typeface="+mn-ea"/>
-                <a:cs typeface="+mn-cs"/>
-              </a:rPr>
-              <a:t>premortem</a:t>
-            </a:r>
-            <a:r>
-              <a:rPr lang="en-US" sz="2400" b="0" i="0" kern="1200" dirty="0">
-                <a:solidFill>
-                  <a:schemeClr val="tx1"/>
-                </a:solidFill>
-                <a:effectLst/>
-                <a:latin typeface="+mn-lt"/>
-                <a:ea typeface="+mn-ea"/>
-                <a:cs typeface="+mn-cs"/>
-              </a:rPr>
-              <a:t> — is a </a:t>
-            </a:r>
-            <a:r>
-              <a:rPr lang="en-US" sz="2400" b="0" i="0" u="none" strike="noStrike" kern="1200" dirty="0">
-                <a:solidFill>
-                  <a:schemeClr val="tx1"/>
-                </a:solidFill>
-                <a:effectLst/>
-                <a:latin typeface="+mn-lt"/>
-                <a:ea typeface="+mn-ea"/>
-                <a:cs typeface="+mn-cs"/>
-                <a:hlinkClick r:id="rId5" tooltip="Management"/>
-              </a:rPr>
-              <a:t>managerial strategy</a:t>
-            </a:r>
-            <a:r>
-              <a:rPr lang="en-US" sz="2400" b="0" i="0" kern="1200" dirty="0">
-                <a:solidFill>
-                  <a:schemeClr val="tx1"/>
-                </a:solidFill>
-                <a:effectLst/>
-                <a:latin typeface="+mn-lt"/>
-                <a:ea typeface="+mn-ea"/>
-                <a:cs typeface="+mn-cs"/>
-              </a:rPr>
-              <a:t> in which a project team imagines that a project or organization has failed, and then works backward to determine what potentially could lead to the failure of the project or organization.</a:t>
-            </a:r>
-            <a:r>
-              <a:rPr lang="en-US" sz="2400" b="0" i="0" u="none" strike="noStrike" kern="1200" baseline="30000" dirty="0">
-                <a:solidFill>
-                  <a:schemeClr val="tx1"/>
-                </a:solidFill>
-                <a:effectLst/>
-                <a:latin typeface="+mn-lt"/>
-                <a:ea typeface="+mn-ea"/>
-                <a:cs typeface="+mn-cs"/>
-                <a:hlinkClick r:id="rId6"/>
-              </a:rPr>
-              <a:t>[1]</a:t>
-            </a:r>
-            <a:r>
-              <a:rPr lang="en-US" sz="2400" b="0" i="0" u="none" strike="noStrike" kern="1200" baseline="30000" dirty="0">
-                <a:solidFill>
-                  <a:schemeClr val="tx1"/>
-                </a:solidFill>
-                <a:effectLst/>
-                <a:latin typeface="+mn-lt"/>
-                <a:ea typeface="+mn-ea"/>
-                <a:cs typeface="+mn-cs"/>
-                <a:hlinkClick r:id="rId7"/>
-              </a:rPr>
-              <a:t>[2]</a:t>
-            </a:r>
-            <a:endParaRPr lang="en-US" sz="2400" dirty="0"/>
-          </a:p>
-          <a:p>
-            <a:r>
-              <a:rPr lang="en-US" sz="2400" b="0" i="0" kern="1200" dirty="0">
-                <a:solidFill>
-                  <a:schemeClr val="tx1"/>
-                </a:solidFill>
-                <a:effectLst/>
-                <a:latin typeface="+mn-lt"/>
-                <a:ea typeface="+mn-ea"/>
-                <a:cs typeface="+mn-cs"/>
-              </a:rPr>
-              <a:t>According to a </a:t>
-            </a:r>
-            <a:r>
-              <a:rPr lang="en-US" sz="2400" b="0" i="0" u="none" strike="noStrike" kern="1200" dirty="0">
-                <a:solidFill>
-                  <a:schemeClr val="tx1"/>
-                </a:solidFill>
-                <a:effectLst/>
-                <a:latin typeface="+mn-lt"/>
-                <a:ea typeface="+mn-ea"/>
-                <a:cs typeface="+mn-cs"/>
-                <a:hlinkClick r:id="rId8" tooltip="Harvard Business Review"/>
-              </a:rPr>
-              <a:t>Harvard Business Review</a:t>
-            </a:r>
-            <a:r>
-              <a:rPr lang="en-US" sz="2400" b="0" i="0" kern="1200" dirty="0">
-                <a:solidFill>
-                  <a:schemeClr val="tx1"/>
-                </a:solidFill>
-                <a:effectLst/>
-                <a:latin typeface="+mn-lt"/>
-                <a:ea typeface="+mn-ea"/>
-                <a:cs typeface="+mn-cs"/>
-              </a:rPr>
-              <a:t> article from 2007, "unlike a typical critiquing session, in which project team members are asked </a:t>
-            </a:r>
-            <a:r>
-              <a:rPr lang="en-US" sz="2400" b="1" i="0" kern="1200" dirty="0">
-                <a:solidFill>
-                  <a:schemeClr val="tx1"/>
-                </a:solidFill>
-                <a:effectLst/>
-                <a:latin typeface="+mn-lt"/>
-                <a:ea typeface="+mn-ea"/>
-                <a:cs typeface="+mn-cs"/>
-              </a:rPr>
-              <a:t>what </a:t>
-            </a:r>
-            <a:r>
-              <a:rPr lang="en-US" sz="2400" b="1" i="1" kern="1200" dirty="0">
-                <a:solidFill>
-                  <a:schemeClr val="tx1"/>
-                </a:solidFill>
-                <a:effectLst/>
-                <a:latin typeface="+mn-lt"/>
-                <a:ea typeface="+mn-ea"/>
-                <a:cs typeface="+mn-cs"/>
-              </a:rPr>
-              <a:t>might</a:t>
-            </a:r>
-            <a:r>
-              <a:rPr lang="en-US" sz="2400" b="1" i="0" kern="1200" dirty="0">
-                <a:solidFill>
-                  <a:schemeClr val="tx1"/>
-                </a:solidFill>
-                <a:effectLst/>
-                <a:latin typeface="+mn-lt"/>
-                <a:ea typeface="+mn-ea"/>
-                <a:cs typeface="+mn-cs"/>
-              </a:rPr>
-              <a:t> go wrong</a:t>
-            </a:r>
-            <a:r>
-              <a:rPr lang="en-US" sz="2400" b="0" i="0" kern="1200" dirty="0">
-                <a:solidFill>
-                  <a:schemeClr val="tx1"/>
-                </a:solidFill>
-                <a:effectLst/>
-                <a:latin typeface="+mn-lt"/>
-                <a:ea typeface="+mn-ea"/>
-                <a:cs typeface="+mn-cs"/>
-              </a:rPr>
-              <a:t>, the premortem operates on the assumption that the 'patient' has died, and so asks </a:t>
-            </a:r>
-            <a:r>
-              <a:rPr lang="en-US" sz="2400" b="1" i="0" kern="1200" dirty="0">
-                <a:solidFill>
-                  <a:schemeClr val="tx1"/>
-                </a:solidFill>
-                <a:effectLst/>
-                <a:latin typeface="+mn-lt"/>
-                <a:ea typeface="+mn-ea"/>
-                <a:cs typeface="+mn-cs"/>
-              </a:rPr>
-              <a:t>what </a:t>
-            </a:r>
-            <a:r>
-              <a:rPr lang="en-US" sz="2400" b="1" i="1" kern="1200" dirty="0">
-                <a:solidFill>
-                  <a:schemeClr val="tx1"/>
-                </a:solidFill>
-                <a:effectLst/>
-                <a:latin typeface="+mn-lt"/>
-                <a:ea typeface="+mn-ea"/>
-                <a:cs typeface="+mn-cs"/>
-              </a:rPr>
-              <a:t>did</a:t>
-            </a:r>
-            <a:r>
-              <a:rPr lang="en-US" sz="2400" b="1" i="0" kern="1200" dirty="0">
-                <a:solidFill>
-                  <a:schemeClr val="tx1"/>
-                </a:solidFill>
-                <a:effectLst/>
-                <a:latin typeface="+mn-lt"/>
-                <a:ea typeface="+mn-ea"/>
-                <a:cs typeface="+mn-cs"/>
-              </a:rPr>
-              <a:t> go wrong</a:t>
-            </a:r>
-            <a:r>
-              <a:rPr lang="en-US" sz="2400" b="0" i="0" kern="1200" dirty="0">
-                <a:solidFill>
-                  <a:schemeClr val="tx1"/>
-                </a:solidFill>
-                <a:effectLst/>
-                <a:latin typeface="+mn-lt"/>
-                <a:ea typeface="+mn-ea"/>
-                <a:cs typeface="+mn-cs"/>
-              </a:rPr>
-              <a:t>."</a:t>
-            </a:r>
-            <a:r>
-              <a:rPr lang="en-US" sz="2400" b="0" i="0" u="none" strike="noStrike" kern="1200" baseline="30000" dirty="0">
-                <a:solidFill>
-                  <a:schemeClr val="tx1"/>
-                </a:solidFill>
-                <a:effectLst/>
-                <a:latin typeface="+mn-lt"/>
-                <a:ea typeface="+mn-ea"/>
-                <a:cs typeface="+mn-cs"/>
-                <a:hlinkClick r:id="rId6"/>
-              </a:rPr>
-              <a:t>[1]</a:t>
-            </a:r>
-            <a:endParaRPr lang="en-US" sz="2400" dirty="0"/>
+            <a:endParaRPr lang="en-US" dirty="0"/>
+          </a:p>
+          <a:p>
+            <a:endParaRPr lang="en-US" dirty="0"/>
           </a:p>
         </p:txBody>
       </p:sp>
@@ -4256,7 +4215,7 @@
           <a:p>
             <a:fld id="{D21DB0F9-7AA4-A245-900D-1B5447B08339}" type="slidenum">
               <a:rPr lang="en-US" smtClean="0"/>
-              <a:t>20</a:t>
+              <a:t>12</a:t>
             </a:fld>
             <a:endParaRPr lang="en-US"/>
           </a:p>
@@ -4265,7 +4224,7 @@
     </p:spTree>
     <p:extLst>
       <p:ext uri="{BB962C8B-B14F-4D97-AF65-F5344CB8AC3E}">
-        <p14:creationId xmlns:p14="http://schemas.microsoft.com/office/powerpoint/2010/main" val="3466002288"/>
+        <p14:creationId xmlns:p14="http://schemas.microsoft.com/office/powerpoint/2010/main" val="3138310804"/>
       </p:ext>
     </p:extLst>
   </p:cSld>
@@ -4320,15 +4279,287 @@
           <a:lstStyle/>
           <a:p>
             <a:r>
-              <a:rPr lang="en-US" dirty="0"/>
-              <a:t>We can’t tell, there is still a 50/50 chance it might be heads or tail.</a:t>
-            </a:r>
-          </a:p>
-          <a:p>
-            <a:r>
-              <a:rPr lang="en-US" dirty="0"/>
-              <a:t>In the Gambler’s Fallacy people believe that after that many heads it’s time for a tail.</a:t>
-            </a:r>
+              <a:rPr lang="en-US" sz="2400" dirty="0">
+                <a:hlinkClick r:id="rId3"/>
+              </a:rPr>
+              <a:t>https://en.wikipedia.org/wiki/Gary_A._Klein</a:t>
+            </a:r>
+            <a:endParaRPr lang="en-US" sz="2400" dirty="0"/>
+          </a:p>
+          <a:p>
+            <a:r>
+              <a:rPr lang="en-US" sz="2400" dirty="0">
+                <a:hlinkClick r:id="rId4"/>
+              </a:rPr>
+              <a:t>https://en.wikipedia.org/wiki/Pre-mortem</a:t>
+            </a:r>
+            <a:endParaRPr lang="en-US" sz="2400" dirty="0"/>
+          </a:p>
+          <a:p>
+            <a:endParaRPr lang="en-US" sz="2400" dirty="0"/>
+          </a:p>
+          <a:p>
+            <a:r>
+              <a:rPr lang="en-US" sz="2400" b="0" i="0" kern="1200" dirty="0">
+                <a:solidFill>
+                  <a:schemeClr val="tx1"/>
+                </a:solidFill>
+                <a:effectLst/>
+                <a:latin typeface="+mn-lt"/>
+                <a:ea typeface="+mn-ea"/>
+                <a:cs typeface="+mn-cs"/>
+              </a:rPr>
+              <a:t>A </a:t>
+            </a:r>
+            <a:r>
+              <a:rPr lang="en-US" sz="2400" b="1" i="0" kern="1200" dirty="0">
+                <a:solidFill>
+                  <a:schemeClr val="tx1"/>
+                </a:solidFill>
+                <a:effectLst/>
+                <a:latin typeface="+mn-lt"/>
+                <a:ea typeface="+mn-ea"/>
+                <a:cs typeface="+mn-cs"/>
+              </a:rPr>
+              <a:t>pre-mortem</a:t>
+            </a:r>
+            <a:r>
+              <a:rPr lang="en-US" sz="2400" b="0" i="0" kern="1200" dirty="0">
+                <a:solidFill>
+                  <a:schemeClr val="tx1"/>
+                </a:solidFill>
+                <a:effectLst/>
+                <a:latin typeface="+mn-lt"/>
+                <a:ea typeface="+mn-ea"/>
+                <a:cs typeface="+mn-cs"/>
+              </a:rPr>
+              <a:t> — also known as a </a:t>
+            </a:r>
+            <a:r>
+              <a:rPr lang="en-US" sz="2400" b="1" i="0" kern="1200" dirty="0">
+                <a:solidFill>
+                  <a:schemeClr val="tx1"/>
+                </a:solidFill>
+                <a:effectLst/>
+                <a:latin typeface="+mn-lt"/>
+                <a:ea typeface="+mn-ea"/>
+                <a:cs typeface="+mn-cs"/>
+              </a:rPr>
+              <a:t>premortem</a:t>
+            </a:r>
+            <a:r>
+              <a:rPr lang="en-US" sz="2400" b="0" i="0" kern="1200" dirty="0">
+                <a:solidFill>
+                  <a:schemeClr val="tx1"/>
+                </a:solidFill>
+                <a:effectLst/>
+                <a:latin typeface="+mn-lt"/>
+                <a:ea typeface="+mn-ea"/>
+                <a:cs typeface="+mn-cs"/>
+              </a:rPr>
+              <a:t> — is a </a:t>
+            </a:r>
+            <a:r>
+              <a:rPr lang="en-US" sz="2400" b="0" i="0" u="none" strike="noStrike" kern="1200" dirty="0">
+                <a:solidFill>
+                  <a:schemeClr val="tx1"/>
+                </a:solidFill>
+                <a:effectLst/>
+                <a:latin typeface="+mn-lt"/>
+                <a:ea typeface="+mn-ea"/>
+                <a:cs typeface="+mn-cs"/>
+                <a:hlinkClick r:id="rId5" tooltip="Management"/>
+              </a:rPr>
+              <a:t>managerial strategy</a:t>
+            </a:r>
+            <a:r>
+              <a:rPr lang="en-US" sz="2400" b="0" i="0" kern="1200" dirty="0">
+                <a:solidFill>
+                  <a:schemeClr val="tx1"/>
+                </a:solidFill>
+                <a:effectLst/>
+                <a:latin typeface="+mn-lt"/>
+                <a:ea typeface="+mn-ea"/>
+                <a:cs typeface="+mn-cs"/>
+              </a:rPr>
+              <a:t> in which a project team imagines that a project or organization has failed, and then works backward to determine what potentially could lead to the failure of the project or organization.</a:t>
+            </a:r>
+            <a:r>
+              <a:rPr lang="en-US" sz="2400" b="0" i="0" u="none" strike="noStrike" kern="1200" baseline="30000" dirty="0">
+                <a:solidFill>
+                  <a:schemeClr val="tx1"/>
+                </a:solidFill>
+                <a:effectLst/>
+                <a:latin typeface="+mn-lt"/>
+                <a:ea typeface="+mn-ea"/>
+                <a:cs typeface="+mn-cs"/>
+                <a:hlinkClick r:id="rId6"/>
+              </a:rPr>
+              <a:t>[1]</a:t>
+            </a:r>
+            <a:r>
+              <a:rPr lang="en-US" sz="2400" b="0" i="0" u="none" strike="noStrike" kern="1200" baseline="30000" dirty="0">
+                <a:solidFill>
+                  <a:schemeClr val="tx1"/>
+                </a:solidFill>
+                <a:effectLst/>
+                <a:latin typeface="+mn-lt"/>
+                <a:ea typeface="+mn-ea"/>
+                <a:cs typeface="+mn-cs"/>
+                <a:hlinkClick r:id="rId7"/>
+              </a:rPr>
+              <a:t>[2]</a:t>
+            </a:r>
+            <a:endParaRPr lang="en-US" sz="2400" dirty="0"/>
+          </a:p>
+          <a:p>
+            <a:r>
+              <a:rPr lang="en-US" sz="2400" b="0" i="0" kern="1200" dirty="0">
+                <a:solidFill>
+                  <a:schemeClr val="tx1"/>
+                </a:solidFill>
+                <a:effectLst/>
+                <a:latin typeface="+mn-lt"/>
+                <a:ea typeface="+mn-ea"/>
+                <a:cs typeface="+mn-cs"/>
+              </a:rPr>
+              <a:t>According to a </a:t>
+            </a:r>
+            <a:r>
+              <a:rPr lang="en-US" sz="2400" b="0" i="0" u="none" strike="noStrike" kern="1200" dirty="0">
+                <a:solidFill>
+                  <a:schemeClr val="tx1"/>
+                </a:solidFill>
+                <a:effectLst/>
+                <a:latin typeface="+mn-lt"/>
+                <a:ea typeface="+mn-ea"/>
+                <a:cs typeface="+mn-cs"/>
+                <a:hlinkClick r:id="rId8" tooltip="Harvard Business Review"/>
+              </a:rPr>
+              <a:t>Harvard Business Review</a:t>
+            </a:r>
+            <a:r>
+              <a:rPr lang="en-US" sz="2400" b="0" i="0" kern="1200" dirty="0">
+                <a:solidFill>
+                  <a:schemeClr val="tx1"/>
+                </a:solidFill>
+                <a:effectLst/>
+                <a:latin typeface="+mn-lt"/>
+                <a:ea typeface="+mn-ea"/>
+                <a:cs typeface="+mn-cs"/>
+              </a:rPr>
+              <a:t> article from 2007, "unlike a typical critiquing session, in which project team members are asked </a:t>
+            </a:r>
+            <a:r>
+              <a:rPr lang="en-US" sz="2400" b="1" i="0" kern="1200" dirty="0">
+                <a:solidFill>
+                  <a:schemeClr val="tx1"/>
+                </a:solidFill>
+                <a:effectLst/>
+                <a:latin typeface="+mn-lt"/>
+                <a:ea typeface="+mn-ea"/>
+                <a:cs typeface="+mn-cs"/>
+              </a:rPr>
+              <a:t>what </a:t>
+            </a:r>
+            <a:r>
+              <a:rPr lang="en-US" sz="2400" b="1" i="1" kern="1200" dirty="0">
+                <a:solidFill>
+                  <a:schemeClr val="tx1"/>
+                </a:solidFill>
+                <a:effectLst/>
+                <a:latin typeface="+mn-lt"/>
+                <a:ea typeface="+mn-ea"/>
+                <a:cs typeface="+mn-cs"/>
+              </a:rPr>
+              <a:t>might</a:t>
+            </a:r>
+            <a:r>
+              <a:rPr lang="en-US" sz="2400" b="1" i="0" kern="1200" dirty="0">
+                <a:solidFill>
+                  <a:schemeClr val="tx1"/>
+                </a:solidFill>
+                <a:effectLst/>
+                <a:latin typeface="+mn-lt"/>
+                <a:ea typeface="+mn-ea"/>
+                <a:cs typeface="+mn-cs"/>
+              </a:rPr>
+              <a:t> go wrong</a:t>
+            </a:r>
+            <a:r>
+              <a:rPr lang="en-US" sz="2400" b="0" i="0" kern="1200" dirty="0">
+                <a:solidFill>
+                  <a:schemeClr val="tx1"/>
+                </a:solidFill>
+                <a:effectLst/>
+                <a:latin typeface="+mn-lt"/>
+                <a:ea typeface="+mn-ea"/>
+                <a:cs typeface="+mn-cs"/>
+              </a:rPr>
+              <a:t>, the premortem operates on the assumption that the 'patient' has died, and so asks </a:t>
+            </a:r>
+            <a:r>
+              <a:rPr lang="en-US" sz="2400" b="1" i="0" kern="1200" dirty="0">
+                <a:solidFill>
+                  <a:schemeClr val="tx1"/>
+                </a:solidFill>
+                <a:effectLst/>
+                <a:latin typeface="+mn-lt"/>
+                <a:ea typeface="+mn-ea"/>
+                <a:cs typeface="+mn-cs"/>
+              </a:rPr>
+              <a:t>what </a:t>
+            </a:r>
+            <a:r>
+              <a:rPr lang="en-US" sz="2400" b="1" i="1" kern="1200" dirty="0">
+                <a:solidFill>
+                  <a:schemeClr val="tx1"/>
+                </a:solidFill>
+                <a:effectLst/>
+                <a:latin typeface="+mn-lt"/>
+                <a:ea typeface="+mn-ea"/>
+                <a:cs typeface="+mn-cs"/>
+              </a:rPr>
+              <a:t>did</a:t>
+            </a:r>
+            <a:r>
+              <a:rPr lang="en-US" sz="2400" b="1" i="0" kern="1200" dirty="0">
+                <a:solidFill>
+                  <a:schemeClr val="tx1"/>
+                </a:solidFill>
+                <a:effectLst/>
+                <a:latin typeface="+mn-lt"/>
+                <a:ea typeface="+mn-ea"/>
+                <a:cs typeface="+mn-cs"/>
+              </a:rPr>
+              <a:t> go wrong</a:t>
+            </a:r>
+            <a:r>
+              <a:rPr lang="en-US" sz="2400" b="0" i="0" kern="1200" dirty="0">
+                <a:solidFill>
+                  <a:schemeClr val="tx1"/>
+                </a:solidFill>
+                <a:effectLst/>
+                <a:latin typeface="+mn-lt"/>
+                <a:ea typeface="+mn-ea"/>
+                <a:cs typeface="+mn-cs"/>
+              </a:rPr>
+              <a:t>."</a:t>
+            </a:r>
+            <a:r>
+              <a:rPr lang="en-US" sz="2400" b="0" i="0" u="none" strike="noStrike" kern="1200" baseline="30000" dirty="0">
+                <a:solidFill>
+                  <a:schemeClr val="tx1"/>
+                </a:solidFill>
+                <a:effectLst/>
+                <a:latin typeface="+mn-lt"/>
+                <a:ea typeface="+mn-ea"/>
+                <a:cs typeface="+mn-cs"/>
+                <a:hlinkClick r:id="rId6"/>
+              </a:rPr>
+              <a:t>[1]</a:t>
+            </a:r>
+            <a:endParaRPr lang="en-US" sz="2400" dirty="0"/>
           </a:p>
         </p:txBody>
       </p:sp>
@@ -4349,7 +4580,7 @@
           <a:p>
             <a:fld id="{D21DB0F9-7AA4-A245-900D-1B5447B08339}" type="slidenum">
               <a:rPr lang="en-US" smtClean="0"/>
-              <a:t>27</a:t>
+              <a:t>20</a:t>
             </a:fld>
             <a:endParaRPr lang="en-US"/>
           </a:p>
@@ -4358,7 +4589,7 @@
     </p:spTree>
     <p:extLst>
       <p:ext uri="{BB962C8B-B14F-4D97-AF65-F5344CB8AC3E}">
-        <p14:creationId xmlns:p14="http://schemas.microsoft.com/office/powerpoint/2010/main" val="2225822843"/>
+        <p14:creationId xmlns:p14="http://schemas.microsoft.com/office/powerpoint/2010/main" val="3466002288"/>
       </p:ext>
     </p:extLst>
   </p:cSld>
@@ -4442,7 +4673,7 @@
           <a:p>
             <a:fld id="{D21DB0F9-7AA4-A245-900D-1B5447B08339}" type="slidenum">
               <a:rPr lang="en-US" smtClean="0"/>
-              <a:t>28</a:t>
+              <a:t>27</a:t>
             </a:fld>
             <a:endParaRPr lang="en-US"/>
           </a:p>
@@ -4451,7 +4682,7 @@
     </p:spTree>
     <p:extLst>
       <p:ext uri="{BB962C8B-B14F-4D97-AF65-F5344CB8AC3E}">
-        <p14:creationId xmlns:p14="http://schemas.microsoft.com/office/powerpoint/2010/main" val="453550904"/>
+        <p14:creationId xmlns:p14="http://schemas.microsoft.com/office/powerpoint/2010/main" val="2225822843"/>
       </p:ext>
     </p:extLst>
   </p:cSld>
@@ -4506,24 +4737,15 @@
           <a:lstStyle/>
           <a:p>
             <a:r>
-              <a:rPr lang="en-US" b="1" dirty="0"/>
-              <a:t>Paul </a:t>
-            </a:r>
-            <a:r>
-              <a:rPr lang="en-US" b="1" dirty="0" err="1"/>
-              <a:t>Slovic</a:t>
-            </a:r>
-            <a:r>
-              <a:rPr lang="en-US" b="1" dirty="0"/>
-              <a:t>: </a:t>
-            </a:r>
-            <a:r>
               <a:rPr lang="en-US" dirty="0"/>
-              <a:t>Psychology Professor, extensively researched human judgement, decision making and risk perception.</a:t>
-            </a:r>
-          </a:p>
-          <a:p>
-            <a:endParaRPr lang="en-US" dirty="0"/>
+              <a:t>We can’t tell, there is still a 50/50 chance it might be heads or tail.</a:t>
+            </a:r>
+          </a:p>
+          <a:p>
+            <a:r>
+              <a:rPr lang="en-US" dirty="0"/>
+              <a:t>In the Gambler’s Fallacy people believe that after that many heads it’s time for a tail.</a:t>
+            </a:r>
           </a:p>
         </p:txBody>
       </p:sp>
@@ -4544,6 +4766,108 @@
           <a:p>
             <a:fld id="{D21DB0F9-7AA4-A245-900D-1B5447B08339}" type="slidenum">
               <a:rPr lang="en-US" smtClean="0"/>
+              <a:t>28</a:t>
+            </a:fld>
+            <a:endParaRPr lang="en-US"/>
+          </a:p>
+        </p:txBody>
+      </p:sp>
+    </p:spTree>
+    <p:extLst>
+      <p:ext uri="{BB962C8B-B14F-4D97-AF65-F5344CB8AC3E}">
+        <p14:creationId xmlns:p14="http://schemas.microsoft.com/office/powerpoint/2010/main" val="453550904"/>
+      </p:ext>
+    </p:extLst>
+  </p:cSld>
+  <p:clrMapOvr>
+    <a:masterClrMapping/>
+  </p:clrMapOvr>
+</p:notes>
+</file>
+
+<file path=ppt/notesSlides/notesSlide7.xml><?xml version="1.0" encoding="utf-8"?>
+<p:notes xmlns:a="http://schemas.openxmlformats.org/drawingml/2006/main" xmlns:r="http://schemas.openxmlformats.org/officeDocument/2006/relationships" xmlns:p="http://schemas.openxmlformats.org/presentationml/2006/main">
+  <p:cSld>
+    <p:spTree>
+      <p:nvGrpSpPr>
+        <p:cNvPr id="1" name=""/>
+        <p:cNvGrpSpPr/>
+        <p:nvPr/>
+      </p:nvGrpSpPr>
+      <p:grpSpPr>
+        <a:xfrm>
+          <a:off x="0" y="0"/>
+          <a:ext cx="0" cy="0"/>
+          <a:chOff x="0" y="0"/>
+          <a:chExt cx="0" cy="0"/>
+        </a:xfrm>
+      </p:grpSpPr>
+      <p:sp>
+        <p:nvSpPr>
+          <p:cNvPr id="2" name="Slide Image Placeholder 1"/>
+          <p:cNvSpPr>
+            <a:spLocks noGrp="1" noRot="1" noChangeAspect="1"/>
+          </p:cNvSpPr>
+          <p:nvPr>
+            <p:ph type="sldImg"/>
+          </p:nvPr>
+        </p:nvSpPr>
+        <p:spPr/>
+      </p:sp>
+      <p:sp>
+        <p:nvSpPr>
+          <p:cNvPr id="3" name="Notes Placeholder 2"/>
+          <p:cNvSpPr>
+            <a:spLocks noGrp="1"/>
+          </p:cNvSpPr>
+          <p:nvPr>
+            <p:ph type="body" idx="1"/>
+          </p:nvPr>
+        </p:nvSpPr>
+        <p:spPr/>
+        <p:txBody>
+          <a:bodyPr/>
+          <a:lstStyle/>
+          <a:p>
+            <a:r>
+              <a:rPr lang="en-US" b="1" dirty="0"/>
+              <a:t>Paul </a:t>
+            </a:r>
+            <a:r>
+              <a:rPr lang="en-US" b="1" dirty="0" err="1"/>
+              <a:t>Slovic</a:t>
+            </a:r>
+            <a:r>
+              <a:rPr lang="en-US" b="1" dirty="0"/>
+              <a:t>: </a:t>
+            </a:r>
+            <a:r>
+              <a:rPr lang="en-US" dirty="0"/>
+              <a:t>Psychology Professor, extensively researched human judgement, decision making and risk perception.</a:t>
+            </a:r>
+          </a:p>
+          <a:p>
+            <a:endParaRPr lang="en-US" dirty="0"/>
+          </a:p>
+        </p:txBody>
+      </p:sp>
+      <p:sp>
+        <p:nvSpPr>
+          <p:cNvPr id="4" name="Slide Number Placeholder 3"/>
+          <p:cNvSpPr>
+            <a:spLocks noGrp="1"/>
+          </p:cNvSpPr>
+          <p:nvPr>
+            <p:ph type="sldNum" sz="quarter" idx="5"/>
+          </p:nvPr>
+        </p:nvSpPr>
+        <p:spPr/>
+        <p:txBody>
+          <a:bodyPr/>
+          <a:lstStyle/>
+          <a:p>
+            <a:fld id="{D21DB0F9-7AA4-A245-900D-1B5447B08339}" type="slidenum">
+              <a:rPr lang="en-US" smtClean="0"/>
               <a:t>40</a:t>
             </a:fld>
             <a:endParaRPr lang="en-US"/>
@@ -4563,7 +4887,7 @@
 </p:notes>
 </file>
 
-<file path=ppt/notesSlides/notesSlide7.xml><?xml version="1.0" encoding="utf-8"?>
+<file path=ppt/notesSlides/notesSlide8.xml><?xml version="1.0" encoding="utf-8"?>
 <p:notes xmlns:a="http://schemas.openxmlformats.org/drawingml/2006/main" xmlns:r="http://schemas.openxmlformats.org/officeDocument/2006/relationships" xmlns:p="http://schemas.openxmlformats.org/presentationml/2006/main">
   <p:cSld>
     <p:spTree>
@@ -4857,7 +5181,7 @@
           <a:p>
             <a:fld id="{5A3325B1-6510-CE42-B14F-826B63D6CD78}" type="datetime1">
               <a:rPr lang="en-US" smtClean="0"/>
-              <a:t>9/14/19</a:t>
+              <a:t>9/21/19</a:t>
             </a:fld>
             <a:endParaRPr lang="en-US"/>
           </a:p>
@@ -5055,7 +5379,7 @@
           <a:p>
             <a:fld id="{3448B590-3A11-5142-8D17-041BBADE2BAC}" type="datetime1">
               <a:rPr lang="en-US" smtClean="0"/>
-              <a:t>9/14/19</a:t>
+              <a:t>9/21/19</a:t>
             </a:fld>
             <a:endParaRPr lang="en-US"/>
           </a:p>
@@ -5263,7 +5587,7 @@
           <a:p>
             <a:fld id="{894A886B-AA3E-FE45-9B3D-BEA6AD7B39B7}" type="datetime1">
               <a:rPr lang="en-US" smtClean="0"/>
-              <a:t>9/14/19</a:t>
+              <a:t>9/21/19</a:t>
             </a:fld>
             <a:endParaRPr lang="en-US"/>
           </a:p>
@@ -5461,7 +5785,7 @@
           <a:p>
             <a:fld id="{2C35C454-E377-E944-B8FB-68586824FE45}" type="datetime1">
               <a:rPr lang="en-US" smtClean="0"/>
-              <a:t>9/14/19</a:t>
+              <a:t>9/21/19</a:t>
             </a:fld>
             <a:endParaRPr lang="en-US"/>
           </a:p>
@@ -5736,7 +6060,7 @@
           <a:p>
             <a:fld id="{D0867350-2A0E-A44A-832C-7ACBC97E332F}" type="datetime1">
               <a:rPr lang="en-US" smtClean="0"/>
-              <a:t>9/14/19</a:t>
+              <a:t>9/21/19</a:t>
             </a:fld>
             <a:endParaRPr lang="en-US"/>
           </a:p>
@@ -6001,7 +6325,7 @@
           <a:p>
             <a:fld id="{1BF141CC-BC81-BC46-8035-6367849C7506}" type="datetime1">
               <a:rPr lang="en-US" smtClean="0"/>
-              <a:t>9/14/19</a:t>
+              <a:t>9/21/19</a:t>
             </a:fld>
             <a:endParaRPr lang="en-US"/>
           </a:p>
@@ -6413,7 +6737,7 @@
           <a:p>
             <a:fld id="{11C3839A-7009-FC40-8B7D-71196A2BC92C}" type="datetime1">
               <a:rPr lang="en-US" smtClean="0"/>
-              <a:t>9/14/19</a:t>
+              <a:t>9/21/19</a:t>
             </a:fld>
             <a:endParaRPr lang="en-US"/>
           </a:p>
@@ -6554,7 +6878,7 @@
           <a:p>
             <a:fld id="{07386EDC-1D3C-B04D-8F8A-4E8E5ED2F95F}" type="datetime1">
               <a:rPr lang="en-US" smtClean="0"/>
-              <a:t>9/14/19</a:t>
+              <a:t>9/21/19</a:t>
             </a:fld>
             <a:endParaRPr lang="en-US"/>
           </a:p>
@@ -6667,7 +6991,7 @@
           <a:p>
             <a:fld id="{4C9C92BE-FACE-4F48-BA6F-9198BD9546B0}" type="datetime1">
               <a:rPr lang="en-US" smtClean="0"/>
-              <a:t>9/14/19</a:t>
+              <a:t>9/21/19</a:t>
             </a:fld>
             <a:endParaRPr lang="en-US"/>
           </a:p>
@@ -6978,7 +7302,7 @@
           <a:p>
             <a:fld id="{39DDD592-BBCC-9D41-98F0-1D1FDBA38CAE}" type="datetime1">
               <a:rPr lang="en-US" smtClean="0"/>
-              <a:t>9/14/19</a:t>
+              <a:t>9/21/19</a:t>
             </a:fld>
             <a:endParaRPr lang="en-US"/>
           </a:p>
@@ -7266,7 +7590,7 @@
           <a:p>
             <a:fld id="{43F26530-F671-CC48-AE41-3523C151F7C3}" type="datetime1">
               <a:rPr lang="en-US" smtClean="0"/>
-              <a:t>9/14/19</a:t>
+              <a:t>9/21/19</a:t>
             </a:fld>
             <a:endParaRPr lang="en-US"/>
           </a:p>
@@ -7507,7 +7831,7 @@
           <a:p>
             <a:fld id="{C93E1947-0286-8842-85D1-91AE63EEBB15}" type="datetime1">
               <a:rPr lang="en-US" smtClean="0"/>
-              <a:t>9/14/19</a:t>
+              <a:t>9/21/19</a:t>
             </a:fld>
             <a:endParaRPr lang="en-US"/>
           </a:p>
@@ -12444,6 +12768,12 @@
             </a:r>
           </a:p>
           <a:p>
+            <a:r>
+              <a:rPr lang="en-US" dirty="0"/>
+              <a:t>“The experience of fluent retrieval of instances trumped the number retrieved.”</a:t>
+            </a:r>
+          </a:p>
+          <a:p>
             <a:pPr marL="0" indent="0">
               <a:buNone/>
             </a:pPr>
@@ -12504,7 +12834,7 @@
         </p:nvSpPr>
         <p:spPr>
           <a:xfrm>
-            <a:off x="7213628" y="4280102"/>
+            <a:off x="7213628" y="5157809"/>
             <a:ext cx="4140172" cy="369332"/>
           </a:xfrm>
           <a:prstGeom prst="rect">
@@ -13663,13 +13993,7 @@
             </a:r>
             <a:r>
               <a:rPr lang="en-US" dirty="0"/>
-              <a:t>. We discuss our sources and the rationale of our estimates and reasoning. We activate System 2 thinking.</a:t>
-            </a:r>
-          </a:p>
-          <a:p>
-            <a:r>
-              <a:rPr lang="en-US" dirty="0"/>
-              <a:t>Try to think of </a:t>
+              <a:t>. We don’t just rely on what we can easily remember or anecdotal “evidence”. We discuss our sources and the rationale of our estimates and reasoning. We activate System 2 thinking. Try to think of </a:t>
             </a:r>
             <a:r>
               <a:rPr lang="en-US" b="1" dirty="0"/>
@@ -13997,7 +14321,7 @@
           <a:p>
             <a:r>
               <a:rPr lang="en-US" dirty="0"/>
-              <a:t>In risk management the desire for harmony can result in the group being willing to take more risk than individuals would  be willing to take themselves.</a:t>
+              <a:t>In risk management the desire for harmony can result in the group being willing to take more or less risk than individuals would  be willing to take themselves.</a:t>
             </a:r>
           </a:p>
         </p:txBody>
@@ -14962,7 +15286,7 @@
           <a:p>
             <a:r>
               <a:rPr lang="en-US" dirty="0"/>
-              <a:t>Senior management should confirm that participants are not judged and the focus revolves on collecting the best data and evaluating it fitness as relevant to the model. Stress that every individual contribution counts.</a:t>
+              <a:t>Senior management should confirm that participants are not judged and the focus revolves on collecting the best data and evaluating its fitness as relevant to the model. Stress that every individual contribution counts.</a:t>
             </a:r>
           </a:p>
           <a:p>
@@ -15467,7 +15791,7 @@
             </a:pPr>
             <a:r>
               <a:rPr lang="en-US" dirty="0"/>
-              <a:t>“Premortem” proposal by Gary Klein:</a:t>
+              <a:t>“Premortem” proposal by Gary Klein (psychologist):</a:t>
             </a:r>
           </a:p>
           <a:p>
@@ -19317,126 +19641,6 @@
           </a:p>
         </p:txBody>
       </p:sp>
-      <p:pic>
-        <p:nvPicPr>
-          <p:cNvPr id="5" name="Picture 4">
-            <a:extLst>
-              <a:ext uri="{FF2B5EF4-FFF2-40B4-BE49-F238E27FC236}">
-                <a16:creationId xmlns:a16="http://schemas.microsoft.com/office/drawing/2014/main" id="{62D0BBF1-0AD7-CB4F-8589-0047B0CAA22A}"/>
-              </a:ext>
-            </a:extLst>
-          </p:cNvPr>
-          <p:cNvPicPr>
-            <a:picLocks noChangeAspect="1"/>
-          </p:cNvPicPr>
-          <p:nvPr/>
-        </p:nvPicPr>
-        <p:blipFill>
-          <a:blip r:embed="rId3"/>
-          <a:stretch>
-            <a:fillRect/>
-          </a:stretch>
-        </p:blipFill>
-        <p:spPr>
-          <a:xfrm>
-            <a:off x="2025869" y="2358414"/>
-            <a:ext cx="1318610" cy="1318610"/>
-          </a:xfrm>
-          <a:prstGeom prst="rect">
-            <a:avLst/>
-          </a:prstGeom>
-        </p:spPr>
-      </p:pic>
-      <p:pic>
-        <p:nvPicPr>
-          <p:cNvPr id="6" name="Picture 5">
-            <a:extLst>
-              <a:ext uri="{FF2B5EF4-FFF2-40B4-BE49-F238E27FC236}">
-                <a16:creationId xmlns:a16="http://schemas.microsoft.com/office/drawing/2014/main" id="{4C09823D-B6C5-9F4D-A7FE-9686FE119390}"/>
-              </a:ext>
-            </a:extLst>
-          </p:cNvPr>
-          <p:cNvPicPr>
-            <a:picLocks noChangeAspect="1"/>
-          </p:cNvPicPr>
-          <p:nvPr/>
-        </p:nvPicPr>
-        <p:blipFill>
-          <a:blip r:embed="rId3"/>
-          <a:stretch>
-            <a:fillRect/>
-          </a:stretch>
-        </p:blipFill>
-        <p:spPr>
-          <a:xfrm>
-            <a:off x="3586655" y="2358414"/>
-            <a:ext cx="1318610" cy="1318610"/>
-          </a:xfrm>
-          <a:prstGeom prst="rect">
-            <a:avLst/>
-          </a:prstGeom>
-        </p:spPr>
-      </p:pic>
-      <p:pic>
-        <p:nvPicPr>
-          <p:cNvPr id="7" name="Picture 6">
-            <a:extLst>
-              <a:ext uri="{FF2B5EF4-FFF2-40B4-BE49-F238E27FC236}">
-                <a16:creationId xmlns:a16="http://schemas.microsoft.com/office/drawing/2014/main" id="{23BBCA2C-4606-B04B-A327-82A52E9BD363}"/>
-              </a:ext>
-            </a:extLst>
-          </p:cNvPr>
-          <p:cNvPicPr>
-            <a:picLocks noChangeAspect="1"/>
-          </p:cNvPicPr>
-          <p:nvPr/>
-        </p:nvPicPr>
-        <p:blipFill>
-          <a:blip r:embed="rId3"/>
-          <a:stretch>
-            <a:fillRect/>
-          </a:stretch>
-        </p:blipFill>
-        <p:spPr>
-          <a:xfrm>
-            <a:off x="5147441" y="2358414"/>
-            <a:ext cx="1318610" cy="1318610"/>
-          </a:xfrm>
-          <a:prstGeom prst="rect">
-            <a:avLst/>
-          </a:prstGeom>
-        </p:spPr>
-      </p:pic>
-      <p:pic>
-        <p:nvPicPr>
-          <p:cNvPr id="8" name="Picture 7">
-            <a:extLst>
-              <a:ext uri="{FF2B5EF4-FFF2-40B4-BE49-F238E27FC236}">
-                <a16:creationId xmlns:a16="http://schemas.microsoft.com/office/drawing/2014/main" id="{03E7120F-BA8C-3E49-AA58-15A377ACD0E3}"/>
-              </a:ext>
-            </a:extLst>
-          </p:cNvPr>
-          <p:cNvPicPr>
-            <a:picLocks noChangeAspect="1"/>
-          </p:cNvPicPr>
-          <p:nvPr/>
-        </p:nvPicPr>
-        <p:blipFill>
-          <a:blip r:embed="rId3"/>
-          <a:stretch>
-            <a:fillRect/>
-          </a:stretch>
-        </p:blipFill>
-        <p:spPr>
-          <a:xfrm>
-            <a:off x="6708227" y="2328601"/>
-            <a:ext cx="1318610" cy="1318610"/>
-          </a:xfrm>
-          <a:prstGeom prst="rect">
-            <a:avLst/>
-          </a:prstGeom>
-        </p:spPr>
-      </p:pic>
       <p:sp>
         <p:nvSpPr>
           <p:cNvPr id="11" name="Oval 10">
@@ -19716,6 +19920,126 @@
           </a:p>
         </p:txBody>
       </p:sp>
+      <p:pic>
+        <p:nvPicPr>
+          <p:cNvPr id="9" name="Picture 8">
+            <a:extLst>
+              <a:ext uri="{FF2B5EF4-FFF2-40B4-BE49-F238E27FC236}">
+                <a16:creationId xmlns:a16="http://schemas.microsoft.com/office/drawing/2014/main" id="{D20F9390-B79D-7048-BFBF-4FDE86EAD531}"/>
+              </a:ext>
+            </a:extLst>
+          </p:cNvPr>
+          <p:cNvPicPr>
+            <a:picLocks noChangeAspect="1"/>
+          </p:cNvPicPr>
+          <p:nvPr/>
+        </p:nvPicPr>
+        <p:blipFill>
+          <a:blip r:embed="rId3"/>
+          <a:stretch>
+            <a:fillRect/>
+          </a:stretch>
+        </p:blipFill>
+        <p:spPr>
+          <a:xfrm>
+            <a:off x="1947337" y="2234063"/>
+            <a:ext cx="1308100" cy="1320800"/>
+          </a:xfrm>
+          <a:prstGeom prst="rect">
+            <a:avLst/>
+          </a:prstGeom>
+        </p:spPr>
+      </p:pic>
+      <p:pic>
+        <p:nvPicPr>
+          <p:cNvPr id="17" name="Picture 16">
+            <a:extLst>
+              <a:ext uri="{FF2B5EF4-FFF2-40B4-BE49-F238E27FC236}">
+                <a16:creationId xmlns:a16="http://schemas.microsoft.com/office/drawing/2014/main" id="{73B80C92-C203-0B41-B801-08358E2D90A4}"/>
+              </a:ext>
+            </a:extLst>
+          </p:cNvPr>
+          <p:cNvPicPr>
+            <a:picLocks noChangeAspect="1"/>
+          </p:cNvPicPr>
+          <p:nvPr/>
+        </p:nvPicPr>
+        <p:blipFill>
+          <a:blip r:embed="rId3"/>
+          <a:stretch>
+            <a:fillRect/>
+          </a:stretch>
+        </p:blipFill>
+        <p:spPr>
+          <a:xfrm>
+            <a:off x="3533711" y="2234063"/>
+            <a:ext cx="1308100" cy="1320800"/>
+          </a:xfrm>
+          <a:prstGeom prst="rect">
+            <a:avLst/>
+          </a:prstGeom>
+        </p:spPr>
+      </p:pic>
+      <p:pic>
+        <p:nvPicPr>
+          <p:cNvPr id="19" name="Picture 18">
+            <a:extLst>
+              <a:ext uri="{FF2B5EF4-FFF2-40B4-BE49-F238E27FC236}">
+                <a16:creationId xmlns:a16="http://schemas.microsoft.com/office/drawing/2014/main" id="{75FB5A9B-8356-E647-883E-1DFBB4481A09}"/>
+              </a:ext>
+            </a:extLst>
+          </p:cNvPr>
+          <p:cNvPicPr>
+            <a:picLocks noChangeAspect="1"/>
+          </p:cNvPicPr>
+          <p:nvPr/>
+        </p:nvPicPr>
+        <p:blipFill>
+          <a:blip r:embed="rId3"/>
+          <a:stretch>
+            <a:fillRect/>
+          </a:stretch>
+        </p:blipFill>
+        <p:spPr>
+          <a:xfrm>
+            <a:off x="5120085" y="2234063"/>
+            <a:ext cx="1308100" cy="1320800"/>
+          </a:xfrm>
+          <a:prstGeom prst="rect">
+            <a:avLst/>
+          </a:prstGeom>
+        </p:spPr>
+      </p:pic>
+      <p:pic>
+        <p:nvPicPr>
+          <p:cNvPr id="20" name="Picture 19">
+            <a:extLst>
+              <a:ext uri="{FF2B5EF4-FFF2-40B4-BE49-F238E27FC236}">
+                <a16:creationId xmlns:a16="http://schemas.microsoft.com/office/drawing/2014/main" id="{55CCDD91-0FCF-0E40-A428-C570C8D8A575}"/>
+              </a:ext>
+            </a:extLst>
+          </p:cNvPr>
+          <p:cNvPicPr>
+            <a:picLocks noChangeAspect="1"/>
+          </p:cNvPicPr>
+          <p:nvPr/>
+        </p:nvPicPr>
+        <p:blipFill>
+          <a:blip r:embed="rId3"/>
+          <a:stretch>
+            <a:fillRect/>
+          </a:stretch>
+        </p:blipFill>
+        <p:spPr>
+          <a:xfrm>
+            <a:off x="6706459" y="2234063"/>
+            <a:ext cx="1308100" cy="1320800"/>
+          </a:xfrm>
+          <a:prstGeom prst="rect">
+            <a:avLst/>
+          </a:prstGeom>
+        </p:spPr>
+      </p:pic>
     </p:spTree>
     <p:extLst>
       <p:ext uri="{BB962C8B-B14F-4D97-AF65-F5344CB8AC3E}">
@@ -20181,348 +20505,6 @@
           </p:sp>
         </mc:Fallback>
       </mc:AlternateContent>
-      <p:grpSp>
-        <p:nvGrpSpPr>
-          <p:cNvPr id="10" name="Group 9">
-            <a:extLst>
-              <a:ext uri="{FF2B5EF4-FFF2-40B4-BE49-F238E27FC236}">
-                <a16:creationId xmlns:a16="http://schemas.microsoft.com/office/drawing/2014/main" id="{4F2F7B8A-7F2A-3F42-A9D4-0725249C4182}"/>
-              </a:ext>
-            </a:extLst>
-          </p:cNvPr>
-          <p:cNvGrpSpPr/>
-          <p:nvPr/>
-        </p:nvGrpSpPr>
-        <p:grpSpPr>
-          <a:xfrm>
-            <a:off x="2795343" y="1833802"/>
-            <a:ext cx="6567287" cy="1147988"/>
-            <a:chOff x="2136038" y="2110390"/>
-            <a:chExt cx="7543361" cy="1318610"/>
-          </a:xfrm>
-        </p:grpSpPr>
-        <p:pic>
-          <p:nvPicPr>
-            <p:cNvPr id="5" name="Picture 4">
-              <a:extLst>
-                <a:ext uri="{FF2B5EF4-FFF2-40B4-BE49-F238E27FC236}">
-                  <a16:creationId xmlns:a16="http://schemas.microsoft.com/office/drawing/2014/main" id="{62D0BBF1-0AD7-CB4F-8589-0047B0CAA22A}"/>
-                </a:ext>
-              </a:extLst>
-            </p:cNvPr>
-            <p:cNvPicPr>
-              <a:picLocks noChangeAspect="1"/>
-            </p:cNvPicPr>
-            <p:nvPr/>
-          </p:nvPicPr>
-          <p:blipFill>
-            <a:blip r:embed="rId4"/>
-            <a:stretch>
-              <a:fillRect/>
-            </a:stretch>
-          </p:blipFill>
-          <p:spPr>
-            <a:xfrm>
-              <a:off x="2136038" y="2110390"/>
-              <a:ext cx="1318610" cy="1318610"/>
-            </a:xfrm>
-            <a:prstGeom prst="rect">
-              <a:avLst/>
-            </a:prstGeom>
-          </p:spPr>
-        </p:pic>
-        <p:pic>
-          <p:nvPicPr>
-            <p:cNvPr id="6" name="Picture 5">
-              <a:extLst>
-                <a:ext uri="{FF2B5EF4-FFF2-40B4-BE49-F238E27FC236}">
-                  <a16:creationId xmlns:a16="http://schemas.microsoft.com/office/drawing/2014/main" id="{4C09823D-B6C5-9F4D-A7FE-9686FE119390}"/>
-                </a:ext>
-              </a:extLst>
-            </p:cNvPr>
-            <p:cNvPicPr>
-              <a:picLocks noChangeAspect="1"/>
-            </p:cNvPicPr>
-            <p:nvPr/>
-          </p:nvPicPr>
-          <p:blipFill>
-            <a:blip r:embed="rId4"/>
-            <a:stretch>
-              <a:fillRect/>
-            </a:stretch>
-          </p:blipFill>
-          <p:spPr>
-            <a:xfrm>
-              <a:off x="3692226" y="2110390"/>
-              <a:ext cx="1318610" cy="1318610"/>
-            </a:xfrm>
-            <a:prstGeom prst="rect">
-              <a:avLst/>
-            </a:prstGeom>
-          </p:spPr>
-        </p:pic>
-        <p:pic>
-          <p:nvPicPr>
-            <p:cNvPr id="7" name="Picture 6">
-              <a:extLst>
-                <a:ext uri="{FF2B5EF4-FFF2-40B4-BE49-F238E27FC236}">
-                  <a16:creationId xmlns:a16="http://schemas.microsoft.com/office/drawing/2014/main" id="{23BBCA2C-4606-B04B-A327-82A52E9BD363}"/>
-                </a:ext>
-              </a:extLst>
-            </p:cNvPr>
-            <p:cNvPicPr>
-              <a:picLocks noChangeAspect="1"/>
-            </p:cNvPicPr>
-            <p:nvPr/>
-          </p:nvPicPr>
-          <p:blipFill>
-            <a:blip r:embed="rId4"/>
-            <a:stretch>
-              <a:fillRect/>
-            </a:stretch>
-          </p:blipFill>
-          <p:spPr>
-            <a:xfrm>
-              <a:off x="5248414" y="2110390"/>
-              <a:ext cx="1318610" cy="1318610"/>
-            </a:xfrm>
-            <a:prstGeom prst="rect">
-              <a:avLst/>
-            </a:prstGeom>
-          </p:spPr>
-        </p:pic>
-        <p:pic>
-          <p:nvPicPr>
-            <p:cNvPr id="8" name="Picture 7">
-              <a:extLst>
-                <a:ext uri="{FF2B5EF4-FFF2-40B4-BE49-F238E27FC236}">
-                  <a16:creationId xmlns:a16="http://schemas.microsoft.com/office/drawing/2014/main" id="{03E7120F-BA8C-3E49-AA58-15A377ACD0E3}"/>
-                </a:ext>
-              </a:extLst>
-            </p:cNvPr>
-            <p:cNvPicPr>
-              <a:picLocks noChangeAspect="1"/>
-            </p:cNvPicPr>
-            <p:nvPr/>
-          </p:nvPicPr>
-          <p:blipFill>
-            <a:blip r:embed="rId4"/>
-            <a:stretch>
-              <a:fillRect/>
-            </a:stretch>
-          </p:blipFill>
-          <p:spPr>
-            <a:xfrm>
-              <a:off x="6804602" y="2110390"/>
-              <a:ext cx="1318610" cy="1318610"/>
-            </a:xfrm>
-            <a:prstGeom prst="rect">
-              <a:avLst/>
-            </a:prstGeom>
-          </p:spPr>
-        </p:pic>
-        <p:pic>
-          <p:nvPicPr>
-            <p:cNvPr id="17" name="Picture 16">
-              <a:extLst>
-                <a:ext uri="{FF2B5EF4-FFF2-40B4-BE49-F238E27FC236}">
-                  <a16:creationId xmlns:a16="http://schemas.microsoft.com/office/drawing/2014/main" id="{62459E42-4069-2240-871C-34CF800330CC}"/>
-                </a:ext>
-              </a:extLst>
-            </p:cNvPr>
-            <p:cNvPicPr>
-              <a:picLocks noChangeAspect="1"/>
-            </p:cNvPicPr>
-            <p:nvPr/>
-          </p:nvPicPr>
-          <p:blipFill>
-            <a:blip r:embed="rId4"/>
-            <a:stretch>
-              <a:fillRect/>
-            </a:stretch>
-          </p:blipFill>
-          <p:spPr>
-            <a:xfrm>
-              <a:off x="8360789" y="2110390"/>
-              <a:ext cx="1318610" cy="1318610"/>
-            </a:xfrm>
-            <a:prstGeom prst="rect">
-              <a:avLst/>
-            </a:prstGeom>
-          </p:spPr>
-        </p:pic>
-      </p:grpSp>
-      <p:grpSp>
-        <p:nvGrpSpPr>
-          <p:cNvPr id="24" name="Group 23">
-            <a:extLst>
-              <a:ext uri="{FF2B5EF4-FFF2-40B4-BE49-F238E27FC236}">
-                <a16:creationId xmlns:a16="http://schemas.microsoft.com/office/drawing/2014/main" id="{B312579A-E9F6-4041-BEA5-F1569E9B1A1F}"/>
-              </a:ext>
-            </a:extLst>
-          </p:cNvPr>
-          <p:cNvGrpSpPr/>
-          <p:nvPr/>
-        </p:nvGrpSpPr>
-        <p:grpSpPr>
-          <a:xfrm>
-            <a:off x="2795343" y="3993273"/>
-            <a:ext cx="6884056" cy="1203361"/>
-            <a:chOff x="2136038" y="4208531"/>
-            <a:chExt cx="7543361" cy="1318610"/>
-          </a:xfrm>
-        </p:grpSpPr>
-        <p:pic>
-          <p:nvPicPr>
-            <p:cNvPr id="19" name="Picture 18">
-              <a:extLst>
-                <a:ext uri="{FF2B5EF4-FFF2-40B4-BE49-F238E27FC236}">
-                  <a16:creationId xmlns:a16="http://schemas.microsoft.com/office/drawing/2014/main" id="{8A455886-E7FE-DB44-A1B3-8C997336E64C}"/>
-                </a:ext>
-              </a:extLst>
-            </p:cNvPr>
-            <p:cNvPicPr>
-              <a:picLocks noChangeAspect="1"/>
-            </p:cNvPicPr>
-            <p:nvPr/>
-          </p:nvPicPr>
-          <p:blipFill>
-            <a:blip r:embed="rId4"/>
-            <a:stretch>
-              <a:fillRect/>
-            </a:stretch>
-          </p:blipFill>
-          <p:spPr>
-            <a:xfrm>
-              <a:off x="2136038" y="4208531"/>
-              <a:ext cx="1318610" cy="1318610"/>
-            </a:xfrm>
-            <a:prstGeom prst="rect">
-              <a:avLst/>
-            </a:prstGeom>
-          </p:spPr>
-        </p:pic>
-        <p:pic>
-          <p:nvPicPr>
-            <p:cNvPr id="20" name="Picture 19">
-              <a:extLst>
-                <a:ext uri="{FF2B5EF4-FFF2-40B4-BE49-F238E27FC236}">
-                  <a16:creationId xmlns:a16="http://schemas.microsoft.com/office/drawing/2014/main" id="{250E8CAE-A84F-9F45-AF2C-520DD22AA96B}"/>
-                </a:ext>
-              </a:extLst>
-            </p:cNvPr>
-            <p:cNvPicPr>
-              <a:picLocks noChangeAspect="1"/>
-            </p:cNvPicPr>
-            <p:nvPr/>
-          </p:nvPicPr>
-          <p:blipFill>
-            <a:blip r:embed="rId4"/>
-            <a:stretch>
-              <a:fillRect/>
-            </a:stretch>
-          </p:blipFill>
-          <p:spPr>
-            <a:xfrm>
-              <a:off x="3692226" y="4208531"/>
-              <a:ext cx="1318610" cy="1318610"/>
-            </a:xfrm>
-            <a:prstGeom prst="rect">
-              <a:avLst/>
-            </a:prstGeom>
-          </p:spPr>
-        </p:pic>
-        <p:pic>
-          <p:nvPicPr>
-            <p:cNvPr id="21" name="Picture 20">
-              <a:extLst>
-                <a:ext uri="{FF2B5EF4-FFF2-40B4-BE49-F238E27FC236}">
-                  <a16:creationId xmlns:a16="http://schemas.microsoft.com/office/drawing/2014/main" id="{41642576-44F2-6749-955C-D085D9C131B1}"/>
-                </a:ext>
-              </a:extLst>
-            </p:cNvPr>
-            <p:cNvPicPr>
-              <a:picLocks noChangeAspect="1"/>
-            </p:cNvPicPr>
-            <p:nvPr/>
-          </p:nvPicPr>
-          <p:blipFill>
-            <a:blip r:embed="rId4"/>
-            <a:stretch>
-              <a:fillRect/>
-            </a:stretch>
-          </p:blipFill>
-          <p:spPr>
-            <a:xfrm>
-              <a:off x="5248414" y="4208531"/>
-              <a:ext cx="1318610" cy="1318610"/>
-            </a:xfrm>
-            <a:prstGeom prst="rect">
-              <a:avLst/>
-            </a:prstGeom>
-          </p:spPr>
-        </p:pic>
-        <p:pic>
-          <p:nvPicPr>
-            <p:cNvPr id="22" name="Picture 21">
-              <a:extLst>
-                <a:ext uri="{FF2B5EF4-FFF2-40B4-BE49-F238E27FC236}">
-                  <a16:creationId xmlns:a16="http://schemas.microsoft.com/office/drawing/2014/main" id="{32B3D910-41FE-724B-B925-E12B72BC5B6A}"/>
-                </a:ext>
-              </a:extLst>
-            </p:cNvPr>
-            <p:cNvPicPr>
-              <a:picLocks noChangeAspect="1"/>
-            </p:cNvPicPr>
-            <p:nvPr/>
-          </p:nvPicPr>
-          <p:blipFill>
-            <a:blip r:embed="rId4"/>
-            <a:stretch>
-              <a:fillRect/>
-            </a:stretch>
-          </p:blipFill>
-          <p:spPr>
-            <a:xfrm>
-              <a:off x="6804602" y="4208531"/>
-              <a:ext cx="1318610" cy="1318610"/>
-            </a:xfrm>
-            <a:prstGeom prst="rect">
-              <a:avLst/>
-            </a:prstGeom>
-          </p:spPr>
-        </p:pic>
-        <p:pic>
-          <p:nvPicPr>
-            <p:cNvPr id="4" name="Picture 3">
-              <a:extLst>
-                <a:ext uri="{FF2B5EF4-FFF2-40B4-BE49-F238E27FC236}">
-                  <a16:creationId xmlns:a16="http://schemas.microsoft.com/office/drawing/2014/main" id="{3EDD07C7-C7B5-E346-8119-CBEA4584DE57}"/>
-                </a:ext>
-              </a:extLst>
-            </p:cNvPr>
-            <p:cNvPicPr>
-              <a:picLocks noChangeAspect="1"/>
-            </p:cNvPicPr>
-            <p:nvPr/>
-          </p:nvPicPr>
-          <p:blipFill>
-            <a:blip r:embed="rId5"/>
-            <a:stretch>
-              <a:fillRect/>
-            </a:stretch>
-          </p:blipFill>
-          <p:spPr>
-            <a:xfrm>
-              <a:off x="8360789" y="4208531"/>
-              <a:ext cx="1318610" cy="1318610"/>
-            </a:xfrm>
-            <a:prstGeom prst="rect">
-              <a:avLst/>
-            </a:prstGeom>
-          </p:spPr>
-        </p:pic>
-      </p:grpSp>
       <p:sp>
         <p:nvSpPr>
           <p:cNvPr id="9" name="Rectangle 8">
@@ -20887,6 +20869,348 @@
           </a:p>
         </p:txBody>
       </p:sp>
+      <p:grpSp>
+        <p:nvGrpSpPr>
+          <p:cNvPr id="14" name="Group 13">
+            <a:extLst>
+              <a:ext uri="{FF2B5EF4-FFF2-40B4-BE49-F238E27FC236}">
+                <a16:creationId xmlns:a16="http://schemas.microsoft.com/office/drawing/2014/main" id="{9A4F9DB3-E669-8F48-A9EA-8C5A55A2250E}"/>
+              </a:ext>
+            </a:extLst>
+          </p:cNvPr>
+          <p:cNvGrpSpPr/>
+          <p:nvPr/>
+        </p:nvGrpSpPr>
+        <p:grpSpPr>
+          <a:xfrm>
+            <a:off x="2269202" y="1761047"/>
+            <a:ext cx="7514936" cy="1340994"/>
+            <a:chOff x="2269202" y="1761047"/>
+            <a:chExt cx="7514936" cy="1340994"/>
+          </a:xfrm>
+        </p:grpSpPr>
+        <p:pic>
+          <p:nvPicPr>
+            <p:cNvPr id="23" name="Picture 22">
+              <a:extLst>
+                <a:ext uri="{FF2B5EF4-FFF2-40B4-BE49-F238E27FC236}">
+                  <a16:creationId xmlns:a16="http://schemas.microsoft.com/office/drawing/2014/main" id="{039BCF7D-44E4-8743-A098-9FF15561C57E}"/>
+                </a:ext>
+              </a:extLst>
+            </p:cNvPr>
+            <p:cNvPicPr>
+              <a:picLocks noChangeAspect="1"/>
+            </p:cNvPicPr>
+            <p:nvPr/>
+          </p:nvPicPr>
+          <p:blipFill>
+            <a:blip r:embed="rId7"/>
+            <a:stretch>
+              <a:fillRect/>
+            </a:stretch>
+          </p:blipFill>
+          <p:spPr>
+            <a:xfrm>
+              <a:off x="2269202" y="1781241"/>
+              <a:ext cx="1308100" cy="1320800"/>
+            </a:xfrm>
+            <a:prstGeom prst="rect">
+              <a:avLst/>
+            </a:prstGeom>
+          </p:spPr>
+        </p:pic>
+        <p:pic>
+          <p:nvPicPr>
+            <p:cNvPr id="26" name="Picture 25">
+              <a:extLst>
+                <a:ext uri="{FF2B5EF4-FFF2-40B4-BE49-F238E27FC236}">
+                  <a16:creationId xmlns:a16="http://schemas.microsoft.com/office/drawing/2014/main" id="{A0B1FCB4-5715-B547-9391-A600C71AC4C3}"/>
+                </a:ext>
+              </a:extLst>
+            </p:cNvPr>
+            <p:cNvPicPr>
+              <a:picLocks noChangeAspect="1"/>
+            </p:cNvPicPr>
+            <p:nvPr/>
+          </p:nvPicPr>
+          <p:blipFill>
+            <a:blip r:embed="rId7"/>
+            <a:stretch>
+              <a:fillRect/>
+            </a:stretch>
+          </p:blipFill>
+          <p:spPr>
+            <a:xfrm>
+              <a:off x="3855576" y="1781241"/>
+              <a:ext cx="1308100" cy="1320800"/>
+            </a:xfrm>
+            <a:prstGeom prst="rect">
+              <a:avLst/>
+            </a:prstGeom>
+          </p:spPr>
+        </p:pic>
+        <p:pic>
+          <p:nvPicPr>
+            <p:cNvPr id="27" name="Picture 26">
+              <a:extLst>
+                <a:ext uri="{FF2B5EF4-FFF2-40B4-BE49-F238E27FC236}">
+                  <a16:creationId xmlns:a16="http://schemas.microsoft.com/office/drawing/2014/main" id="{FAF8D3A7-4223-AD4C-B4D1-F4DB07FD87BD}"/>
+                </a:ext>
+              </a:extLst>
+            </p:cNvPr>
+            <p:cNvPicPr>
+              <a:picLocks noChangeAspect="1"/>
+            </p:cNvPicPr>
+            <p:nvPr/>
+          </p:nvPicPr>
+          <p:blipFill>
+            <a:blip r:embed="rId7"/>
+            <a:stretch>
+              <a:fillRect/>
+            </a:stretch>
+          </p:blipFill>
+          <p:spPr>
+            <a:xfrm>
+              <a:off x="5441950" y="1781241"/>
+              <a:ext cx="1308100" cy="1320800"/>
+            </a:xfrm>
+            <a:prstGeom prst="rect">
+              <a:avLst/>
+            </a:prstGeom>
+          </p:spPr>
+        </p:pic>
+        <p:pic>
+          <p:nvPicPr>
+            <p:cNvPr id="28" name="Picture 27">
+              <a:extLst>
+                <a:ext uri="{FF2B5EF4-FFF2-40B4-BE49-F238E27FC236}">
+                  <a16:creationId xmlns:a16="http://schemas.microsoft.com/office/drawing/2014/main" id="{4D6D6745-DDC4-4547-B03A-BF2FD55A7A76}"/>
+                </a:ext>
+              </a:extLst>
+            </p:cNvPr>
+            <p:cNvPicPr>
+              <a:picLocks noChangeAspect="1"/>
+            </p:cNvPicPr>
+            <p:nvPr/>
+          </p:nvPicPr>
+          <p:blipFill>
+            <a:blip r:embed="rId7"/>
+            <a:stretch>
+              <a:fillRect/>
+            </a:stretch>
+          </p:blipFill>
+          <p:spPr>
+            <a:xfrm>
+              <a:off x="7028324" y="1781241"/>
+              <a:ext cx="1308100" cy="1320800"/>
+            </a:xfrm>
+            <a:prstGeom prst="rect">
+              <a:avLst/>
+            </a:prstGeom>
+          </p:spPr>
+        </p:pic>
+        <p:pic>
+          <p:nvPicPr>
+            <p:cNvPr id="29" name="Picture 28">
+              <a:extLst>
+                <a:ext uri="{FF2B5EF4-FFF2-40B4-BE49-F238E27FC236}">
+                  <a16:creationId xmlns:a16="http://schemas.microsoft.com/office/drawing/2014/main" id="{7DD6909C-55C6-A742-A0D3-33D711833C74}"/>
+                </a:ext>
+              </a:extLst>
+            </p:cNvPr>
+            <p:cNvPicPr>
+              <a:picLocks noChangeAspect="1"/>
+            </p:cNvPicPr>
+            <p:nvPr/>
+          </p:nvPicPr>
+          <p:blipFill>
+            <a:blip r:embed="rId7"/>
+            <a:stretch>
+              <a:fillRect/>
+            </a:stretch>
+          </p:blipFill>
+          <p:spPr>
+            <a:xfrm>
+              <a:off x="8476038" y="1761047"/>
+              <a:ext cx="1308100" cy="1320800"/>
+            </a:xfrm>
+            <a:prstGeom prst="rect">
+              <a:avLst/>
+            </a:prstGeom>
+          </p:spPr>
+        </p:pic>
+      </p:grpSp>
+      <p:grpSp>
+        <p:nvGrpSpPr>
+          <p:cNvPr id="15" name="Group 14">
+            <a:extLst>
+              <a:ext uri="{FF2B5EF4-FFF2-40B4-BE49-F238E27FC236}">
+                <a16:creationId xmlns:a16="http://schemas.microsoft.com/office/drawing/2014/main" id="{0C34B6B1-7F9B-CB46-9683-5BCADC50B5EC}"/>
+              </a:ext>
+            </a:extLst>
+          </p:cNvPr>
+          <p:cNvGrpSpPr/>
+          <p:nvPr/>
+        </p:nvGrpSpPr>
+        <p:grpSpPr>
+          <a:xfrm>
+            <a:off x="2258870" y="3866654"/>
+            <a:ext cx="7537967" cy="1329980"/>
+            <a:chOff x="2258870" y="3866654"/>
+            <a:chExt cx="7537967" cy="1329980"/>
+          </a:xfrm>
+        </p:grpSpPr>
+        <p:pic>
+          <p:nvPicPr>
+            <p:cNvPr id="4" name="Picture 3">
+              <a:extLst>
+                <a:ext uri="{FF2B5EF4-FFF2-40B4-BE49-F238E27FC236}">
+                  <a16:creationId xmlns:a16="http://schemas.microsoft.com/office/drawing/2014/main" id="{3EDD07C7-C7B5-E346-8119-CBEA4584DE57}"/>
+                </a:ext>
+              </a:extLst>
+            </p:cNvPr>
+            <p:cNvPicPr>
+              <a:picLocks noChangeAspect="1"/>
+            </p:cNvPicPr>
+            <p:nvPr/>
+          </p:nvPicPr>
+          <p:blipFill>
+            <a:blip r:embed="rId8"/>
+            <a:stretch>
+              <a:fillRect/>
+            </a:stretch>
+          </p:blipFill>
+          <p:spPr>
+            <a:xfrm>
+              <a:off x="8476038" y="3875835"/>
+              <a:ext cx="1320799" cy="1320799"/>
+            </a:xfrm>
+            <a:prstGeom prst="rect">
+              <a:avLst/>
+            </a:prstGeom>
+          </p:spPr>
+        </p:pic>
+        <p:pic>
+          <p:nvPicPr>
+            <p:cNvPr id="30" name="Picture 29">
+              <a:extLst>
+                <a:ext uri="{FF2B5EF4-FFF2-40B4-BE49-F238E27FC236}">
+                  <a16:creationId xmlns:a16="http://schemas.microsoft.com/office/drawing/2014/main" id="{C9E2F584-4BA0-BB47-9690-1E40506C8F63}"/>
+                </a:ext>
+              </a:extLst>
+            </p:cNvPr>
+            <p:cNvPicPr>
+              <a:picLocks noChangeAspect="1"/>
+            </p:cNvPicPr>
+            <p:nvPr/>
+          </p:nvPicPr>
+          <p:blipFill>
+            <a:blip r:embed="rId7"/>
+            <a:stretch>
+              <a:fillRect/>
+            </a:stretch>
+          </p:blipFill>
+          <p:spPr>
+            <a:xfrm>
+              <a:off x="2258870" y="3866654"/>
+              <a:ext cx="1308100" cy="1320800"/>
+            </a:xfrm>
+            <a:prstGeom prst="rect">
+              <a:avLst/>
+            </a:prstGeom>
+          </p:spPr>
+        </p:pic>
+        <p:pic>
+          <p:nvPicPr>
+            <p:cNvPr id="31" name="Picture 30">
+              <a:extLst>
+                <a:ext uri="{FF2B5EF4-FFF2-40B4-BE49-F238E27FC236}">
+                  <a16:creationId xmlns:a16="http://schemas.microsoft.com/office/drawing/2014/main" id="{B057D5DF-54AD-9149-B4E5-AAD76BA1AEA5}"/>
+                </a:ext>
+              </a:extLst>
+            </p:cNvPr>
+            <p:cNvPicPr>
+              <a:picLocks noChangeAspect="1"/>
+            </p:cNvPicPr>
+            <p:nvPr/>
+          </p:nvPicPr>
+          <p:blipFill>
+            <a:blip r:embed="rId7"/>
+            <a:stretch>
+              <a:fillRect/>
+            </a:stretch>
+          </p:blipFill>
+          <p:spPr>
+            <a:xfrm>
+              <a:off x="3845244" y="3866654"/>
+              <a:ext cx="1308100" cy="1320800"/>
+            </a:xfrm>
+            <a:prstGeom prst="rect">
+              <a:avLst/>
+            </a:prstGeom>
+          </p:spPr>
+        </p:pic>
+        <p:pic>
+          <p:nvPicPr>
+            <p:cNvPr id="32" name="Picture 31">
+              <a:extLst>
+                <a:ext uri="{FF2B5EF4-FFF2-40B4-BE49-F238E27FC236}">
+                  <a16:creationId xmlns:a16="http://schemas.microsoft.com/office/drawing/2014/main" id="{A0530919-6F5B-D842-80AE-F2F699D1EF74}"/>
+                </a:ext>
+              </a:extLst>
+            </p:cNvPr>
+            <p:cNvPicPr>
+              <a:picLocks noChangeAspect="1"/>
+            </p:cNvPicPr>
+            <p:nvPr/>
+          </p:nvPicPr>
+          <p:blipFill>
+            <a:blip r:embed="rId7"/>
+            <a:stretch>
+              <a:fillRect/>
+            </a:stretch>
+          </p:blipFill>
+          <p:spPr>
+            <a:xfrm>
+              <a:off x="5431618" y="3866654"/>
+              <a:ext cx="1308100" cy="1320800"/>
+            </a:xfrm>
+            <a:prstGeom prst="rect">
+              <a:avLst/>
+            </a:prstGeom>
+          </p:spPr>
+        </p:pic>
+        <p:pic>
+          <p:nvPicPr>
+            <p:cNvPr id="33" name="Picture 32">
+              <a:extLst>
+                <a:ext uri="{FF2B5EF4-FFF2-40B4-BE49-F238E27FC236}">
+                  <a16:creationId xmlns:a16="http://schemas.microsoft.com/office/drawing/2014/main" id="{BB3138B5-7D84-E24A-BE3B-6B43FE9FD2DE}"/>
+                </a:ext>
+              </a:extLst>
+            </p:cNvPr>
+            <p:cNvPicPr>
+              <a:picLocks noChangeAspect="1"/>
+            </p:cNvPicPr>
+            <p:nvPr/>
+          </p:nvPicPr>
+          <p:blipFill>
+            <a:blip r:embed="rId7"/>
+            <a:stretch>
+              <a:fillRect/>
+            </a:stretch>
+          </p:blipFill>
+          <p:spPr>
+            <a:xfrm>
+              <a:off x="7017992" y="3866654"/>
+              <a:ext cx="1308100" cy="1320800"/>
+            </a:xfrm>
+            <a:prstGeom prst="rect">
+              <a:avLst/>
+            </a:prstGeom>
+          </p:spPr>
+        </p:pic>
+      </p:grpSp>
     </p:spTree>
     <p:extLst>
       <p:ext uri="{BB962C8B-B14F-4D97-AF65-F5344CB8AC3E}">
@@ -20918,7 +21242,7 @@
                             </p:stCondLst>
                             <p:childTnLst>
                               <p:par>
-                                <p:cTn id="5" presetID="1" presetClass="entr" presetSubtype="0" fill="hold" grpId="0" nodeType="clickEffect">
+                                <p:cTn id="5" presetID="1" presetClass="entr" presetSubtype="0" fill="hold" nodeType="clickEffect">
                                   <p:stCondLst>
                                     <p:cond delay="0"/>
                                   </p:stCondLst>
@@ -20926,6 +21250,42 @@
                                     <p:set>
                                       <p:cBhvr>
                                         <p:cTn id="6" dur="1" fill="hold">
+                                          <p:stCondLst>
+                                            <p:cond delay="0"/>
+                                          </p:stCondLst>
+                                        </p:cTn>
+                                        <p:tgtEl>
+                                          <p:spTgt spid="14"/>
+                                        </p:tgtEl>
+                                        <p:attrNameLst>
+                                          <p:attrName>style.visibility</p:attrName>
+                                        </p:attrNameLst>
+                                      </p:cBhvr>
+                                      <p:to>
+                                        <p:strVal val="visible"/>
+                                      </p:to>
+                                    </p:set>
+                                  </p:childTnLst>
+                                </p:cTn>
+                              </p:par>
+                            </p:childTnLst>
+                          </p:cTn>
+                        </p:par>
+                        <p:par>
+                          <p:cTn id="7" fill="hold">
+                            <p:stCondLst>
+                              <p:cond delay="0"/>
+                            </p:stCondLst>
+                            <p:childTnLst>
+                              <p:par>
+                                <p:cTn id="8" presetID="1" presetClass="entr" presetSubtype="0" fill="hold" grpId="0" nodeType="afterEffect">
+                                  <p:stCondLst>
+                                    <p:cond delay="0"/>
+                                  </p:stCondLst>
+                                  <p:childTnLst>
+                                    <p:set>
+                                      <p:cBhvr>
+                                        <p:cTn id="9" dur="1" fill="hold">
                                           <p:stCondLst>
                                             <p:cond delay="0"/>
                                           </p:stCondLst>
@@ -20951,32 +21311,32 @@
                     </p:cTn>
                   </p:par>
                   <p:par>
-                    <p:cTn id="7" fill="hold">
+                    <p:cTn id="10" fill="hold">
                       <p:stCondLst>
                         <p:cond delay="indefinite"/>
                       </p:stCondLst>
                       <p:childTnLst>
                         <p:par>
-                          <p:cTn id="8" fill="hold">
+                          <p:cTn id="11" fill="hold">
                             <p:stCondLst>
                               <p:cond delay="0"/>
                             </p:stCondLst>
                             <p:childTnLst>
                               <p:par>
-                                <p:cTn id="9" presetID="1" presetClass="entr" presetSubtype="0" fill="hold" nodeType="clickEffect">
+                                <p:cTn id="12" presetID="1" presetClass="entr" presetSubtype="0" fill="hold" nodeType="clickEffect">
                                   <p:stCondLst>
                                     <p:cond delay="0"/>
                                   </p:stCondLst>
                                   <p:childTnLst>
                                     <p:set>
                                       <p:cBhvr>
-                                        <p:cTn id="10" dur="1" fill="hold">
+                                        <p:cTn id="13" dur="1" fill="hold">
                                           <p:stCondLst>
                                             <p:cond delay="0"/>
                                           </p:stCondLst>
                                         </p:cTn>
                                         <p:tgtEl>
-                                          <p:spTgt spid="24"/>
+                                          <p:spTgt spid="15"/>
                                         </p:tgtEl>
                                         <p:attrNameLst>
                                           <p:attrName>style.visibility</p:attrName>
@@ -20990,14 +21350,14 @@
                                 </p:cTn>
                               </p:par>
                               <p:par>
-                                <p:cTn id="11" presetID="1" presetClass="entr" presetSubtype="0" fill="hold" grpId="0" nodeType="withEffect">
+                                <p:cTn id="14" presetID="1" presetClass="entr" presetSubtype="0" fill="hold" grpId="0" nodeType="withEffect">
                                   <p:stCondLst>
                                     <p:cond delay="0"/>
                                   </p:stCondLst>
                                   <p:childTnLst>
                                     <p:set>
                                       <p:cBhvr>
-                                        <p:cTn id="12" dur="1" fill="hold">
+                                        <p:cTn id="15" dur="1" fill="hold">
                                           <p:stCondLst>
                                             <p:cond delay="0"/>
                                           </p:stCondLst>
@@ -21023,26 +21383,26 @@
                     </p:cTn>
                   </p:par>
                   <p:par>
-                    <p:cTn id="13" fill="hold">
+                    <p:cTn id="16" fill="hold">
                       <p:stCondLst>
                         <p:cond delay="indefinite"/>
                       </p:stCondLst>
                       <p:childTnLst>
                         <p:par>
-                          <p:cTn id="14" fill="hold">
+                          <p:cTn id="17" fill="hold">
                             <p:stCondLst>
                               <p:cond delay="0"/>
                             </p:stCondLst>
                             <p:childTnLst>
                               <p:par>
-                                <p:cTn id="15" presetID="1" presetClass="entr" presetSubtype="0" fill="hold" grpId="0" nodeType="clickEffect">
+                                <p:cTn id="18" presetID="1" presetClass="entr" presetSubtype="0" fill="hold" grpId="0" nodeType="clickEffect">
                                   <p:stCondLst>
                                     <p:cond delay="0"/>
                                   </p:stCondLst>
                                   <p:childTnLst>
                                     <p:set>
                                       <p:cBhvr>
-                                        <p:cTn id="16" dur="1" fill="hold">
+                                        <p:cTn id="19" dur="1" fill="hold">
                                           <p:stCondLst>
                                             <p:cond delay="0"/>
                                           </p:stCondLst>
@@ -24178,6 +24538,642 @@
           <a:p>
             <a:r>
               <a:rPr lang="en-US" b="1" dirty="0"/>
+              <a:t>Conjunction Fallacy – The Linda Problem</a:t>
+            </a:r>
+          </a:p>
+        </p:txBody>
+      </p:sp>
+      <p:sp>
+        <p:nvSpPr>
+          <p:cNvPr id="3" name="Content Placeholder 2">
+            <a:extLst>
+              <a:ext uri="{FF2B5EF4-FFF2-40B4-BE49-F238E27FC236}">
+                <a16:creationId xmlns:a16="http://schemas.microsoft.com/office/drawing/2014/main" id="{687B43B9-551C-9E4D-AD2E-793703C03A00}"/>
+              </a:ext>
+            </a:extLst>
+          </p:cNvPr>
+          <p:cNvSpPr>
+            <a:spLocks noGrp="1"/>
+          </p:cNvSpPr>
+          <p:nvPr>
+            <p:ph idx="1"/>
+          </p:nvPr>
+        </p:nvSpPr>
+        <p:spPr>
+          <a:xfrm>
+            <a:off x="838200" y="1330859"/>
+            <a:ext cx="10515600" cy="4934473"/>
+          </a:xfrm>
+        </p:spPr>
+        <p:txBody>
+          <a:bodyPr>
+            <a:normAutofit/>
+          </a:bodyPr>
+          <a:lstStyle/>
+          <a:p>
+            <a:pPr marL="0" indent="0">
+              <a:buNone/>
+            </a:pPr>
+            <a:r>
+              <a:rPr lang="en-US" dirty="0">
+                <a:hlinkClick r:id="rId2" tooltip="Amos Tversky"/>
+              </a:rPr>
+              <a:t>Amos Tversky</a:t>
+            </a:r>
+            <a:r>
+              <a:rPr lang="en-US" dirty="0"/>
+              <a:t> and </a:t>
+            </a:r>
+            <a:r>
+              <a:rPr lang="en-US" dirty="0">
+                <a:hlinkClick r:id="rId3" tooltip="Daniel Kahneman"/>
+              </a:rPr>
+              <a:t>Daniel Kahneman</a:t>
+            </a:r>
+            <a:r>
+              <a:rPr lang="en-US" dirty="0"/>
+              <a:t> conducted the following test:</a:t>
+            </a:r>
+          </a:p>
+          <a:p>
+            <a:pPr marL="0" indent="0">
+              <a:buNone/>
+            </a:pPr>
+            <a:r>
+              <a:rPr lang="en-US" i="1" dirty="0">
+                <a:solidFill>
+                  <a:srgbClr val="222222"/>
+                </a:solidFill>
+                <a:latin typeface="Arial" panose="020B0604020202020204" pitchFamily="34" charset="0"/>
+              </a:rPr>
+              <a:t>Linda is 31 years old, single, outspoken, and very bright. She majored in philosophy. As a student, she was deeply concerned with issues of discrimination and social justice, and also participated in anti-nuclear demonstrations.</a:t>
+            </a:r>
+            <a:endParaRPr lang="en-US" dirty="0">
+              <a:solidFill>
+                <a:srgbClr val="222222"/>
+              </a:solidFill>
+              <a:latin typeface="Arial" panose="020B0604020202020204" pitchFamily="34" charset="0"/>
+            </a:endParaRPr>
+          </a:p>
+          <a:p>
+            <a:pPr>
+              <a:buFont typeface="+mj-lt"/>
+              <a:buAutoNum type="arabicPeriod"/>
+            </a:pPr>
+            <a:endParaRPr lang="en-US" dirty="0">
+              <a:solidFill>
+                <a:srgbClr val="222222"/>
+              </a:solidFill>
+              <a:latin typeface="Arial" panose="020B0604020202020204" pitchFamily="34" charset="0"/>
+            </a:endParaRPr>
+          </a:p>
+          <a:p>
+            <a:pPr marL="0" indent="0">
+              <a:buNone/>
+            </a:pPr>
+            <a:endParaRPr lang="en-US" dirty="0">
+              <a:solidFill>
+                <a:srgbClr val="222222"/>
+              </a:solidFill>
+              <a:latin typeface="Arial" panose="020B0604020202020204" pitchFamily="34" charset="0"/>
+            </a:endParaRPr>
+          </a:p>
+          <a:p>
+            <a:pPr>
+              <a:buFont typeface="+mj-lt"/>
+              <a:buAutoNum type="arabicPeriod"/>
+            </a:pPr>
+            <a:r>
+              <a:rPr lang="en-US" dirty="0">
+                <a:solidFill>
+                  <a:srgbClr val="222222"/>
+                </a:solidFill>
+                <a:latin typeface="Arial" panose="020B0604020202020204" pitchFamily="34" charset="0"/>
+              </a:rPr>
+              <a:t>Linda is a bank teller.</a:t>
+            </a:r>
+          </a:p>
+          <a:p>
+            <a:pPr>
+              <a:buFont typeface="+mj-lt"/>
+              <a:buAutoNum type="arabicPeriod"/>
+            </a:pPr>
+            <a:r>
+              <a:rPr lang="en-US" dirty="0">
+                <a:solidFill>
+                  <a:srgbClr val="222222"/>
+                </a:solidFill>
+                <a:latin typeface="Arial" panose="020B0604020202020204" pitchFamily="34" charset="0"/>
+              </a:rPr>
+              <a:t>Linda is a bank teller and is active in the feminist movement.</a:t>
+            </a:r>
+          </a:p>
+          <a:p>
+            <a:pPr marL="0" indent="0">
+              <a:buNone/>
+            </a:pPr>
+            <a:endParaRPr lang="en-US" dirty="0"/>
+          </a:p>
+          <a:p>
+            <a:pPr marL="0" indent="0">
+              <a:buNone/>
+            </a:pPr>
+            <a:endParaRPr lang="en-US" dirty="0"/>
+          </a:p>
+          <a:p>
+            <a:pPr marL="0" indent="0">
+              <a:buNone/>
+            </a:pPr>
+            <a:endParaRPr lang="en-US" dirty="0"/>
+          </a:p>
+          <a:p>
+            <a:pPr marL="0" indent="0">
+              <a:buNone/>
+            </a:pPr>
+            <a:endParaRPr lang="en-US" dirty="0"/>
+          </a:p>
+        </p:txBody>
+      </p:sp>
+      <p:sp>
+        <p:nvSpPr>
+          <p:cNvPr id="11" name="Rectangle 10">
+            <a:extLst>
+              <a:ext uri="{FF2B5EF4-FFF2-40B4-BE49-F238E27FC236}">
+                <a16:creationId xmlns:a16="http://schemas.microsoft.com/office/drawing/2014/main" id="{26E231F2-5FC7-2049-9C30-4B3C73631481}"/>
+              </a:ext>
+            </a:extLst>
+          </p:cNvPr>
+          <p:cNvSpPr/>
+          <p:nvPr/>
+        </p:nvSpPr>
+        <p:spPr>
+          <a:xfrm>
+            <a:off x="7164125" y="6379306"/>
+            <a:ext cx="4863639" cy="369332"/>
+          </a:xfrm>
+          <a:prstGeom prst="rect">
+            <a:avLst/>
+          </a:prstGeom>
+        </p:spPr>
+        <p:txBody>
+          <a:bodyPr wrap="none">
+            <a:spAutoFit/>
+          </a:bodyPr>
+          <a:lstStyle/>
+          <a:p>
+            <a:r>
+              <a:rPr lang="en-US" dirty="0">
+                <a:hlinkClick r:id="rId4"/>
+              </a:rPr>
+              <a:t>https://en.wikipedia.org/wiki/Conjunction_fallacy</a:t>
+            </a:r>
+            <a:endParaRPr lang="en-US" dirty="0"/>
+          </a:p>
+        </p:txBody>
+      </p:sp>
+      <p:sp>
+        <p:nvSpPr>
+          <p:cNvPr id="4" name="Slide Number Placeholder 3">
+            <a:extLst>
+              <a:ext uri="{FF2B5EF4-FFF2-40B4-BE49-F238E27FC236}">
+                <a16:creationId xmlns:a16="http://schemas.microsoft.com/office/drawing/2014/main" id="{E7C62958-4881-F24C-BFD6-451AE6D7FB5F}"/>
+              </a:ext>
+            </a:extLst>
+          </p:cNvPr>
+          <p:cNvSpPr>
+            <a:spLocks noGrp="1"/>
+          </p:cNvSpPr>
+          <p:nvPr>
+            <p:ph type="sldNum" sz="quarter" idx="12"/>
+          </p:nvPr>
+        </p:nvSpPr>
+        <p:spPr/>
+        <p:txBody>
+          <a:bodyPr/>
+          <a:lstStyle/>
+          <a:p>
+            <a:fld id="{D8C804A1-B6BA-5D40-98D1-9C3FE965D78F}" type="slidenum">
+              <a:rPr lang="en-US" smtClean="0"/>
+              <a:t>34</a:t>
+            </a:fld>
+            <a:endParaRPr lang="en-US"/>
+          </a:p>
+        </p:txBody>
+      </p:sp>
+      <p:sp>
+        <p:nvSpPr>
+          <p:cNvPr id="6" name="Rectangle 5">
+            <a:extLst>
+              <a:ext uri="{FF2B5EF4-FFF2-40B4-BE49-F238E27FC236}">
+                <a16:creationId xmlns:a16="http://schemas.microsoft.com/office/drawing/2014/main" id="{EE29A718-5AAB-584C-BDE3-D6BBCFE050B9}"/>
+              </a:ext>
+            </a:extLst>
+          </p:cNvPr>
+          <p:cNvSpPr/>
+          <p:nvPr/>
+        </p:nvSpPr>
+        <p:spPr>
+          <a:xfrm>
+            <a:off x="1793756" y="3601309"/>
+            <a:ext cx="9560044" cy="883009"/>
+          </a:xfrm>
+          <a:prstGeom prst="rect">
+            <a:avLst/>
+          </a:prstGeom>
+          <a:ln>
+            <a:noFill/>
+          </a:ln>
+        </p:spPr>
+        <p:style>
+          <a:lnRef idx="2">
+            <a:schemeClr val="accent1">
+              <a:shade val="50000"/>
+            </a:schemeClr>
+          </a:lnRef>
+          <a:fillRef idx="1">
+            <a:schemeClr val="accent1"/>
+          </a:fillRef>
+          <a:effectRef idx="0">
+            <a:schemeClr val="accent1"/>
+          </a:effectRef>
+          <a:fontRef idx="minor">
+            <a:schemeClr val="lt1"/>
+          </a:fontRef>
+        </p:style>
+        <p:txBody>
+          <a:bodyPr rtlCol="0" anchor="ctr"/>
+          <a:lstStyle/>
+          <a:p>
+            <a:r>
+              <a:rPr lang="en-US" sz="3200" dirty="0"/>
+              <a:t>Which is more probable?</a:t>
+            </a:r>
+          </a:p>
+        </p:txBody>
+      </p:sp>
+      <p:sp>
+        <p:nvSpPr>
+          <p:cNvPr id="7" name="Rectangle 6">
+            <a:extLst>
+              <a:ext uri="{FF2B5EF4-FFF2-40B4-BE49-F238E27FC236}">
+                <a16:creationId xmlns:a16="http://schemas.microsoft.com/office/drawing/2014/main" id="{D7C891D5-819D-8640-BE15-AB104C224B02}"/>
+              </a:ext>
+            </a:extLst>
+          </p:cNvPr>
+          <p:cNvSpPr/>
+          <p:nvPr/>
+        </p:nvSpPr>
+        <p:spPr>
+          <a:xfrm>
+            <a:off x="838200" y="3611721"/>
+            <a:ext cx="955556" cy="872597"/>
+          </a:xfrm>
+          <a:prstGeom prst="rect">
+            <a:avLst/>
+          </a:prstGeom>
+          <a:solidFill>
+            <a:srgbClr val="FFC000"/>
+          </a:solidFill>
+          <a:ln>
+            <a:noFill/>
+          </a:ln>
+        </p:spPr>
+        <p:style>
+          <a:lnRef idx="2">
+            <a:schemeClr val="accent1">
+              <a:shade val="50000"/>
+            </a:schemeClr>
+          </a:lnRef>
+          <a:fillRef idx="1">
+            <a:schemeClr val="accent1"/>
+          </a:fillRef>
+          <a:effectRef idx="0">
+            <a:schemeClr val="accent1"/>
+          </a:effectRef>
+          <a:fontRef idx="minor">
+            <a:schemeClr val="lt1"/>
+          </a:fontRef>
+        </p:style>
+        <p:txBody>
+          <a:bodyPr rtlCol="0" anchor="ctr"/>
+          <a:lstStyle/>
+          <a:p>
+            <a:pPr algn="ctr"/>
+            <a:r>
+              <a:rPr lang="en-US" sz="8000" dirty="0"/>
+              <a:t>?</a:t>
+            </a:r>
+          </a:p>
+        </p:txBody>
+      </p:sp>
+    </p:spTree>
+    <p:extLst>
+      <p:ext uri="{BB962C8B-B14F-4D97-AF65-F5344CB8AC3E}">
+        <p14:creationId xmlns:p14="http://schemas.microsoft.com/office/powerpoint/2010/main" val="176589515"/>
+      </p:ext>
+    </p:extLst>
+  </p:cSld>
+  <p:clrMapOvr>
+    <a:masterClrMapping/>
+  </p:clrMapOvr>
+</p:sld>
+</file>
+
+<file path=ppt/slides/slide35.xml><?xml version="1.0" encoding="utf-8"?>
+<p:sld xmlns:a="http://schemas.openxmlformats.org/drawingml/2006/main" xmlns:r="http://schemas.openxmlformats.org/officeDocument/2006/relationships" xmlns:p="http://schemas.openxmlformats.org/presentationml/2006/main">
+  <p:cSld>
+    <p:spTree>
+      <p:nvGrpSpPr>
+        <p:cNvPr id="1" name=""/>
+        <p:cNvGrpSpPr/>
+        <p:nvPr/>
+      </p:nvGrpSpPr>
+      <p:grpSpPr>
+        <a:xfrm>
+          <a:off x="0" y="0"/>
+          <a:ext cx="0" cy="0"/>
+          <a:chOff x="0" y="0"/>
+          <a:chExt cx="0" cy="0"/>
+        </a:xfrm>
+      </p:grpSpPr>
+      <p:sp>
+        <p:nvSpPr>
+          <p:cNvPr id="2" name="Title 1">
+            <a:extLst>
+              <a:ext uri="{FF2B5EF4-FFF2-40B4-BE49-F238E27FC236}">
+                <a16:creationId xmlns:a16="http://schemas.microsoft.com/office/drawing/2014/main" id="{EC50755B-301B-1842-ABE0-CB7AA0233934}"/>
+              </a:ext>
+            </a:extLst>
+          </p:cNvPr>
+          <p:cNvSpPr>
+            <a:spLocks noGrp="1"/>
+          </p:cNvSpPr>
+          <p:nvPr>
+            <p:ph type="title"/>
+          </p:nvPr>
+        </p:nvSpPr>
+        <p:spPr/>
+        <p:txBody>
+          <a:bodyPr/>
+          <a:lstStyle/>
+          <a:p>
+            <a:r>
+              <a:rPr lang="en-US" b="1" dirty="0"/>
+              <a:t>Conjunction Fallacy – The Linda Problem</a:t>
+            </a:r>
+          </a:p>
+        </p:txBody>
+      </p:sp>
+      <p:sp>
+        <p:nvSpPr>
+          <p:cNvPr id="3" name="Content Placeholder 2">
+            <a:extLst>
+              <a:ext uri="{FF2B5EF4-FFF2-40B4-BE49-F238E27FC236}">
+                <a16:creationId xmlns:a16="http://schemas.microsoft.com/office/drawing/2014/main" id="{687B43B9-551C-9E4D-AD2E-793703C03A00}"/>
+              </a:ext>
+            </a:extLst>
+          </p:cNvPr>
+          <p:cNvSpPr>
+            <a:spLocks noGrp="1"/>
+          </p:cNvSpPr>
+          <p:nvPr>
+            <p:ph idx="1"/>
+          </p:nvPr>
+        </p:nvSpPr>
+        <p:spPr>
+          <a:xfrm>
+            <a:off x="838200" y="1330859"/>
+            <a:ext cx="10515600" cy="4008785"/>
+          </a:xfrm>
+        </p:spPr>
+        <p:txBody>
+          <a:bodyPr>
+            <a:normAutofit/>
+          </a:bodyPr>
+          <a:lstStyle/>
+          <a:p>
+            <a:pPr>
+              <a:buFont typeface="+mj-lt"/>
+              <a:buAutoNum type="arabicPeriod"/>
+            </a:pPr>
+            <a:r>
+              <a:rPr lang="en-US" dirty="0">
+                <a:solidFill>
+                  <a:srgbClr val="222222"/>
+                </a:solidFill>
+                <a:highlight>
+                  <a:srgbClr val="FFFF00"/>
+                </a:highlight>
+                <a:latin typeface="Arial" panose="020B0604020202020204" pitchFamily="34" charset="0"/>
+              </a:rPr>
+              <a:t>Linda is a bank teller</a:t>
+            </a:r>
+            <a:r>
+              <a:rPr lang="en-US" dirty="0">
+                <a:solidFill>
+                  <a:srgbClr val="222222"/>
+                </a:solidFill>
+                <a:latin typeface="Arial" panose="020B0604020202020204" pitchFamily="34" charset="0"/>
+              </a:rPr>
+              <a:t>.</a:t>
+            </a:r>
+          </a:p>
+          <a:p>
+            <a:pPr>
+              <a:buFont typeface="+mj-lt"/>
+              <a:buAutoNum type="arabicPeriod"/>
+            </a:pPr>
+            <a:r>
+              <a:rPr lang="en-US" dirty="0">
+                <a:solidFill>
+                  <a:srgbClr val="222222"/>
+                </a:solidFill>
+                <a:highlight>
+                  <a:srgbClr val="FFFF00"/>
+                </a:highlight>
+                <a:latin typeface="Arial" panose="020B0604020202020204" pitchFamily="34" charset="0"/>
+              </a:rPr>
+              <a:t>Linda is a bank teller </a:t>
+            </a:r>
+            <a:r>
+              <a:rPr lang="en-US" dirty="0">
+                <a:solidFill>
+                  <a:srgbClr val="222222"/>
+                </a:solidFill>
+                <a:highlight>
+                  <a:srgbClr val="FF0000"/>
+                </a:highlight>
+                <a:latin typeface="Arial" panose="020B0604020202020204" pitchFamily="34" charset="0"/>
+              </a:rPr>
+              <a:t>and </a:t>
+            </a:r>
+            <a:r>
+              <a:rPr lang="en-US" dirty="0">
+                <a:solidFill>
+                  <a:srgbClr val="222222"/>
+                </a:solidFill>
+                <a:highlight>
+                  <a:srgbClr val="00FFFF"/>
+                </a:highlight>
+                <a:latin typeface="Arial" panose="020B0604020202020204" pitchFamily="34" charset="0"/>
+              </a:rPr>
+              <a:t>is active in the feminist movement</a:t>
+            </a:r>
+            <a:r>
+              <a:rPr lang="en-US" dirty="0">
+                <a:solidFill>
+                  <a:srgbClr val="222222"/>
+                </a:solidFill>
+                <a:latin typeface="Arial" panose="020B0604020202020204" pitchFamily="34" charset="0"/>
+              </a:rPr>
+              <a:t>.</a:t>
+            </a:r>
+          </a:p>
+          <a:p>
+            <a:pPr marL="0" indent="0">
+              <a:buNone/>
+            </a:pPr>
+            <a:endParaRPr lang="en-US" dirty="0"/>
+          </a:p>
+          <a:p>
+            <a:pPr marL="0" indent="0">
+              <a:buNone/>
+            </a:pPr>
+            <a:r>
+              <a:rPr lang="en-US" b="1" dirty="0"/>
+              <a:t>Majority of participants choose option 2.</a:t>
+            </a:r>
+          </a:p>
+          <a:p>
+            <a:pPr marL="0" indent="0">
+              <a:buNone/>
+            </a:pPr>
+            <a:r>
+              <a:rPr lang="en-US" dirty="0"/>
+              <a:t>However the probability of two events occurring together is always less than or equal to the probability of either one occurring alone.</a:t>
+            </a:r>
+          </a:p>
+        </p:txBody>
+      </p:sp>
+      <p:sp>
+        <p:nvSpPr>
+          <p:cNvPr id="11" name="Rectangle 10">
+            <a:extLst>
+              <a:ext uri="{FF2B5EF4-FFF2-40B4-BE49-F238E27FC236}">
+                <a16:creationId xmlns:a16="http://schemas.microsoft.com/office/drawing/2014/main" id="{26E231F2-5FC7-2049-9C30-4B3C73631481}"/>
+              </a:ext>
+            </a:extLst>
+          </p:cNvPr>
+          <p:cNvSpPr/>
+          <p:nvPr/>
+        </p:nvSpPr>
+        <p:spPr>
+          <a:xfrm>
+            <a:off x="7164125" y="6379306"/>
+            <a:ext cx="4863639" cy="369332"/>
+          </a:xfrm>
+          <a:prstGeom prst="rect">
+            <a:avLst/>
+          </a:prstGeom>
+        </p:spPr>
+        <p:txBody>
+          <a:bodyPr wrap="none">
+            <a:spAutoFit/>
+          </a:bodyPr>
+          <a:lstStyle/>
+          <a:p>
+            <a:r>
+              <a:rPr lang="en-US" dirty="0">
+                <a:hlinkClick r:id="rId2"/>
+              </a:rPr>
+              <a:t>https://en.wikipedia.org/wiki/Conjunction_fallacy</a:t>
+            </a:r>
+            <a:endParaRPr lang="en-US" dirty="0"/>
+          </a:p>
+        </p:txBody>
+      </p:sp>
+      <p:sp>
+        <p:nvSpPr>
+          <p:cNvPr id="4" name="Slide Number Placeholder 3">
+            <a:extLst>
+              <a:ext uri="{FF2B5EF4-FFF2-40B4-BE49-F238E27FC236}">
+                <a16:creationId xmlns:a16="http://schemas.microsoft.com/office/drawing/2014/main" id="{42D1E467-8F33-C142-9A7E-640A5DB1B86C}"/>
+              </a:ext>
+            </a:extLst>
+          </p:cNvPr>
+          <p:cNvSpPr>
+            <a:spLocks noGrp="1"/>
+          </p:cNvSpPr>
+          <p:nvPr>
+            <p:ph type="sldNum" sz="quarter" idx="12"/>
+          </p:nvPr>
+        </p:nvSpPr>
+        <p:spPr/>
+        <p:txBody>
+          <a:bodyPr/>
+          <a:lstStyle/>
+          <a:p>
+            <a:fld id="{D8C804A1-B6BA-5D40-98D1-9C3FE965D78F}" type="slidenum">
+              <a:rPr lang="en-US" smtClean="0"/>
+              <a:t>35</a:t>
+            </a:fld>
+            <a:endParaRPr lang="en-US"/>
+          </a:p>
+        </p:txBody>
+      </p:sp>
+    </p:spTree>
+    <p:extLst>
+      <p:ext uri="{BB962C8B-B14F-4D97-AF65-F5344CB8AC3E}">
+        <p14:creationId xmlns:p14="http://schemas.microsoft.com/office/powerpoint/2010/main" val="19675280"/>
+      </p:ext>
+    </p:extLst>
+  </p:cSld>
+  <p:clrMapOvr>
+    <a:masterClrMapping/>
+  </p:clrMapOvr>
+</p:sld>
+</file>
+
+<file path=ppt/slides/slide36.xml><?xml version="1.0" encoding="utf-8"?>
+<p:sld xmlns:a="http://schemas.openxmlformats.org/drawingml/2006/main" xmlns:r="http://schemas.openxmlformats.org/officeDocument/2006/relationships" xmlns:p="http://schemas.openxmlformats.org/presentationml/2006/main">
+  <p:cSld>
+    <p:spTree>
+      <p:nvGrpSpPr>
+        <p:cNvPr id="1" name=""/>
+        <p:cNvGrpSpPr/>
+        <p:nvPr/>
+      </p:nvGrpSpPr>
+      <p:grpSpPr>
+        <a:xfrm>
+          <a:off x="0" y="0"/>
+          <a:ext cx="0" cy="0"/>
+          <a:chOff x="0" y="0"/>
+          <a:chExt cx="0" cy="0"/>
+        </a:xfrm>
+      </p:grpSpPr>
+      <p:sp>
+        <p:nvSpPr>
+          <p:cNvPr id="2" name="Title 1">
+            <a:extLst>
+              <a:ext uri="{FF2B5EF4-FFF2-40B4-BE49-F238E27FC236}">
+                <a16:creationId xmlns:a16="http://schemas.microsoft.com/office/drawing/2014/main" id="{EC50755B-301B-1842-ABE0-CB7AA0233934}"/>
+              </a:ext>
+            </a:extLst>
+          </p:cNvPr>
+          <p:cNvSpPr>
+            <a:spLocks noGrp="1"/>
+          </p:cNvSpPr>
+          <p:nvPr>
+            <p:ph type="title"/>
+          </p:nvPr>
+        </p:nvSpPr>
+        <p:spPr/>
+        <p:txBody>
+          <a:bodyPr/>
+          <a:lstStyle/>
+          <a:p>
+            <a:r>
+              <a:rPr lang="en-US" b="1" dirty="0"/>
               <a:t>Conjunction Fallacy</a:t>
             </a:r>
           </a:p>
@@ -25177,7 +26173,7 @@
           <a:p>
             <a:fld id="{D8C804A1-B6BA-5D40-98D1-9C3FE965D78F}" type="slidenum">
               <a:rPr lang="en-US" smtClean="0"/>
-              <a:t>34</a:t>
+              <a:t>36</a:t>
             </a:fld>
             <a:endParaRPr lang="en-US"/>
           </a:p>
@@ -25187,527 +26183,6 @@
     <p:extLst>
       <p:ext uri="{BB962C8B-B14F-4D97-AF65-F5344CB8AC3E}">
         <p14:creationId xmlns:p14="http://schemas.microsoft.com/office/powerpoint/2010/main" val="3399978269"/>
-      </p:ext>
-    </p:extLst>
-  </p:cSld>
-  <p:clrMapOvr>
-    <a:masterClrMapping/>
-  </p:clrMapOvr>
-</p:sld>
-</file>
-
-<file path=ppt/slides/slide35.xml><?xml version="1.0" encoding="utf-8"?>
-<p:sld xmlns:a="http://schemas.openxmlformats.org/drawingml/2006/main" xmlns:r="http://schemas.openxmlformats.org/officeDocument/2006/relationships" xmlns:p="http://schemas.openxmlformats.org/presentationml/2006/main">
-  <p:cSld>
-    <p:spTree>
-      <p:nvGrpSpPr>
-        <p:cNvPr id="1" name=""/>
-        <p:cNvGrpSpPr/>
-        <p:nvPr/>
-      </p:nvGrpSpPr>
-      <p:grpSpPr>
-        <a:xfrm>
-          <a:off x="0" y="0"/>
-          <a:ext cx="0" cy="0"/>
-          <a:chOff x="0" y="0"/>
-          <a:chExt cx="0" cy="0"/>
-        </a:xfrm>
-      </p:grpSpPr>
-      <p:sp>
-        <p:nvSpPr>
-          <p:cNvPr id="2" name="Title 1">
-            <a:extLst>
-              <a:ext uri="{FF2B5EF4-FFF2-40B4-BE49-F238E27FC236}">
-                <a16:creationId xmlns:a16="http://schemas.microsoft.com/office/drawing/2014/main" id="{EC50755B-301B-1842-ABE0-CB7AA0233934}"/>
-              </a:ext>
-            </a:extLst>
-          </p:cNvPr>
-          <p:cNvSpPr>
-            <a:spLocks noGrp="1"/>
-          </p:cNvSpPr>
-          <p:nvPr>
-            <p:ph type="title"/>
-          </p:nvPr>
-        </p:nvSpPr>
-        <p:spPr/>
-        <p:txBody>
-          <a:bodyPr/>
-          <a:lstStyle/>
-          <a:p>
-            <a:r>
-              <a:rPr lang="en-US" b="1" dirty="0"/>
-              <a:t>Conjunction Fallacy – The Linda Problem</a:t>
-            </a:r>
-          </a:p>
-        </p:txBody>
-      </p:sp>
-      <p:sp>
-        <p:nvSpPr>
-          <p:cNvPr id="3" name="Content Placeholder 2">
-            <a:extLst>
-              <a:ext uri="{FF2B5EF4-FFF2-40B4-BE49-F238E27FC236}">
-                <a16:creationId xmlns:a16="http://schemas.microsoft.com/office/drawing/2014/main" id="{687B43B9-551C-9E4D-AD2E-793703C03A00}"/>
-              </a:ext>
-            </a:extLst>
-          </p:cNvPr>
-          <p:cNvSpPr>
-            <a:spLocks noGrp="1"/>
-          </p:cNvSpPr>
-          <p:nvPr>
-            <p:ph idx="1"/>
-          </p:nvPr>
-        </p:nvSpPr>
-        <p:spPr>
-          <a:xfrm>
-            <a:off x="838200" y="1330859"/>
-            <a:ext cx="10515600" cy="4934473"/>
-          </a:xfrm>
-        </p:spPr>
-        <p:txBody>
-          <a:bodyPr>
-            <a:normAutofit/>
-          </a:bodyPr>
-          <a:lstStyle/>
-          <a:p>
-            <a:pPr marL="0" indent="0">
-              <a:buNone/>
-            </a:pPr>
-            <a:r>
-              <a:rPr lang="en-US" dirty="0">
-                <a:hlinkClick r:id="rId2" tooltip="Amos Tversky"/>
-              </a:rPr>
-              <a:t>Amos Tversky</a:t>
-            </a:r>
-            <a:r>
-              <a:rPr lang="en-US" dirty="0"/>
-              <a:t> and </a:t>
-            </a:r>
-            <a:r>
-              <a:rPr lang="en-US" dirty="0">
-                <a:hlinkClick r:id="rId3" tooltip="Daniel Kahneman"/>
-              </a:rPr>
-              <a:t>Daniel Kahneman</a:t>
-            </a:r>
-            <a:r>
-              <a:rPr lang="en-US" dirty="0"/>
-              <a:t> conducted the following test:</a:t>
-            </a:r>
-          </a:p>
-          <a:p>
-            <a:pPr marL="0" indent="0">
-              <a:buNone/>
-            </a:pPr>
-            <a:r>
-              <a:rPr lang="en-US" i="1" dirty="0">
-                <a:solidFill>
-                  <a:srgbClr val="222222"/>
-                </a:solidFill>
-                <a:latin typeface="Arial" panose="020B0604020202020204" pitchFamily="34" charset="0"/>
-              </a:rPr>
-              <a:t>Linda is 31 years old, single, outspoken, and very bright. She majored in philosophy. As a student, she was deeply concerned with issues of discrimination and social justice, and also participated in anti-nuclear demonstrations.</a:t>
-            </a:r>
-            <a:endParaRPr lang="en-US" dirty="0">
-              <a:solidFill>
-                <a:srgbClr val="222222"/>
-              </a:solidFill>
-              <a:latin typeface="Arial" panose="020B0604020202020204" pitchFamily="34" charset="0"/>
-            </a:endParaRPr>
-          </a:p>
-          <a:p>
-            <a:pPr marL="0" indent="0">
-              <a:buNone/>
-            </a:pPr>
-            <a:r>
-              <a:rPr lang="en-US" dirty="0">
-                <a:solidFill>
-                  <a:srgbClr val="222222"/>
-                </a:solidFill>
-                <a:latin typeface="Arial" panose="020B0604020202020204" pitchFamily="34" charset="0"/>
-              </a:rPr>
-              <a:t>Which is more probable?</a:t>
-            </a:r>
-          </a:p>
-          <a:p>
-            <a:pPr>
-              <a:buFont typeface="+mj-lt"/>
-              <a:buAutoNum type="arabicPeriod"/>
-            </a:pPr>
-            <a:r>
-              <a:rPr lang="en-US" dirty="0">
-                <a:solidFill>
-                  <a:srgbClr val="222222"/>
-                </a:solidFill>
-                <a:latin typeface="Arial" panose="020B0604020202020204" pitchFamily="34" charset="0"/>
-              </a:rPr>
-              <a:t>Linda is a bank teller.</a:t>
-            </a:r>
-          </a:p>
-          <a:p>
-            <a:pPr>
-              <a:buFont typeface="+mj-lt"/>
-              <a:buAutoNum type="arabicPeriod"/>
-            </a:pPr>
-            <a:r>
-              <a:rPr lang="en-US" dirty="0">
-                <a:solidFill>
-                  <a:srgbClr val="222222"/>
-                </a:solidFill>
-                <a:latin typeface="Arial" panose="020B0604020202020204" pitchFamily="34" charset="0"/>
-              </a:rPr>
-              <a:t>Linda is a bank teller and is active in the feminist movement.</a:t>
-            </a:r>
-          </a:p>
-          <a:p>
-            <a:pPr marL="0" indent="0">
-              <a:buNone/>
-            </a:pPr>
-            <a:endParaRPr lang="en-US" dirty="0"/>
-          </a:p>
-          <a:p>
-            <a:pPr marL="0" indent="0">
-              <a:buNone/>
-            </a:pPr>
-            <a:endParaRPr lang="en-US" dirty="0"/>
-          </a:p>
-          <a:p>
-            <a:pPr marL="0" indent="0">
-              <a:buNone/>
-            </a:pPr>
-            <a:endParaRPr lang="en-US" dirty="0"/>
-          </a:p>
-          <a:p>
-            <a:pPr marL="0" indent="0">
-              <a:buNone/>
-            </a:pPr>
-            <a:endParaRPr lang="en-US" dirty="0"/>
-          </a:p>
-        </p:txBody>
-      </p:sp>
-      <p:sp>
-        <p:nvSpPr>
-          <p:cNvPr id="11" name="Rectangle 10">
-            <a:extLst>
-              <a:ext uri="{FF2B5EF4-FFF2-40B4-BE49-F238E27FC236}">
-                <a16:creationId xmlns:a16="http://schemas.microsoft.com/office/drawing/2014/main" id="{26E231F2-5FC7-2049-9C30-4B3C73631481}"/>
-              </a:ext>
-            </a:extLst>
-          </p:cNvPr>
-          <p:cNvSpPr/>
-          <p:nvPr/>
-        </p:nvSpPr>
-        <p:spPr>
-          <a:xfrm>
-            <a:off x="7164125" y="6379306"/>
-            <a:ext cx="4863639" cy="369332"/>
-          </a:xfrm>
-          <a:prstGeom prst="rect">
-            <a:avLst/>
-          </a:prstGeom>
-        </p:spPr>
-        <p:txBody>
-          <a:bodyPr wrap="none">
-            <a:spAutoFit/>
-          </a:bodyPr>
-          <a:lstStyle/>
-          <a:p>
-            <a:r>
-              <a:rPr lang="en-US" dirty="0">
-                <a:hlinkClick r:id="rId4"/>
-              </a:rPr>
-              <a:t>https://en.wikipedia.org/wiki/Conjunction_fallacy</a:t>
-            </a:r>
-            <a:endParaRPr lang="en-US" dirty="0"/>
-          </a:p>
-        </p:txBody>
-      </p:sp>
-      <p:sp>
-        <p:nvSpPr>
-          <p:cNvPr id="4" name="Slide Number Placeholder 3">
-            <a:extLst>
-              <a:ext uri="{FF2B5EF4-FFF2-40B4-BE49-F238E27FC236}">
-                <a16:creationId xmlns:a16="http://schemas.microsoft.com/office/drawing/2014/main" id="{E7C62958-4881-F24C-BFD6-451AE6D7FB5F}"/>
-              </a:ext>
-            </a:extLst>
-          </p:cNvPr>
-          <p:cNvSpPr>
-            <a:spLocks noGrp="1"/>
-          </p:cNvSpPr>
-          <p:nvPr>
-            <p:ph type="sldNum" sz="quarter" idx="12"/>
-          </p:nvPr>
-        </p:nvSpPr>
-        <p:spPr/>
-        <p:txBody>
-          <a:bodyPr/>
-          <a:lstStyle/>
-          <a:p>
-            <a:fld id="{D8C804A1-B6BA-5D40-98D1-9C3FE965D78F}" type="slidenum">
-              <a:rPr lang="en-US" smtClean="0"/>
-              <a:t>35</a:t>
-            </a:fld>
-            <a:endParaRPr lang="en-US"/>
-          </a:p>
-        </p:txBody>
-      </p:sp>
-    </p:spTree>
-    <p:extLst>
-      <p:ext uri="{BB962C8B-B14F-4D97-AF65-F5344CB8AC3E}">
-        <p14:creationId xmlns:p14="http://schemas.microsoft.com/office/powerpoint/2010/main" val="176589515"/>
-      </p:ext>
-    </p:extLst>
-  </p:cSld>
-  <p:clrMapOvr>
-    <a:masterClrMapping/>
-  </p:clrMapOvr>
-</p:sld>
-</file>
-
-<file path=ppt/slides/slide36.xml><?xml version="1.0" encoding="utf-8"?>
-<p:sld xmlns:a="http://schemas.openxmlformats.org/drawingml/2006/main" xmlns:r="http://schemas.openxmlformats.org/officeDocument/2006/relationships" xmlns:p="http://schemas.openxmlformats.org/presentationml/2006/main">
-  <p:cSld>
-    <p:spTree>
-      <p:nvGrpSpPr>
-        <p:cNvPr id="1" name=""/>
-        <p:cNvGrpSpPr/>
-        <p:nvPr/>
-      </p:nvGrpSpPr>
-      <p:grpSpPr>
-        <a:xfrm>
-          <a:off x="0" y="0"/>
-          <a:ext cx="0" cy="0"/>
-          <a:chOff x="0" y="0"/>
-          <a:chExt cx="0" cy="0"/>
-        </a:xfrm>
-      </p:grpSpPr>
-      <p:sp>
-        <p:nvSpPr>
-          <p:cNvPr id="2" name="Title 1">
-            <a:extLst>
-              <a:ext uri="{FF2B5EF4-FFF2-40B4-BE49-F238E27FC236}">
-                <a16:creationId xmlns:a16="http://schemas.microsoft.com/office/drawing/2014/main" id="{EC50755B-301B-1842-ABE0-CB7AA0233934}"/>
-              </a:ext>
-            </a:extLst>
-          </p:cNvPr>
-          <p:cNvSpPr>
-            <a:spLocks noGrp="1"/>
-          </p:cNvSpPr>
-          <p:nvPr>
-            <p:ph type="title"/>
-          </p:nvPr>
-        </p:nvSpPr>
-        <p:spPr/>
-        <p:txBody>
-          <a:bodyPr/>
-          <a:lstStyle/>
-          <a:p>
-            <a:r>
-              <a:rPr lang="en-US" b="1" dirty="0"/>
-              <a:t>Conjunction Fallacy – The Linda Problem</a:t>
-            </a:r>
-          </a:p>
-        </p:txBody>
-      </p:sp>
-      <p:sp>
-        <p:nvSpPr>
-          <p:cNvPr id="3" name="Content Placeholder 2">
-            <a:extLst>
-              <a:ext uri="{FF2B5EF4-FFF2-40B4-BE49-F238E27FC236}">
-                <a16:creationId xmlns:a16="http://schemas.microsoft.com/office/drawing/2014/main" id="{687B43B9-551C-9E4D-AD2E-793703C03A00}"/>
-              </a:ext>
-            </a:extLst>
-          </p:cNvPr>
-          <p:cNvSpPr>
-            <a:spLocks noGrp="1"/>
-          </p:cNvSpPr>
-          <p:nvPr>
-            <p:ph idx="1"/>
-          </p:nvPr>
-        </p:nvSpPr>
-        <p:spPr>
-          <a:xfrm>
-            <a:off x="838200" y="1330859"/>
-            <a:ext cx="10515600" cy="4008785"/>
-          </a:xfrm>
-        </p:spPr>
-        <p:txBody>
-          <a:bodyPr>
-            <a:normAutofit/>
-          </a:bodyPr>
-          <a:lstStyle/>
-          <a:p>
-            <a:pPr>
-              <a:buFont typeface="+mj-lt"/>
-              <a:buAutoNum type="arabicPeriod"/>
-            </a:pPr>
-            <a:r>
-              <a:rPr lang="en-US" dirty="0">
-                <a:solidFill>
-                  <a:srgbClr val="222222"/>
-                </a:solidFill>
-                <a:highlight>
-                  <a:srgbClr val="FFFF00"/>
-                </a:highlight>
-                <a:latin typeface="Arial" panose="020B0604020202020204" pitchFamily="34" charset="0"/>
-              </a:rPr>
-              <a:t>Linda is a bank teller</a:t>
-            </a:r>
-            <a:r>
-              <a:rPr lang="en-US" dirty="0">
-                <a:solidFill>
-                  <a:srgbClr val="222222"/>
-                </a:solidFill>
-                <a:latin typeface="Arial" panose="020B0604020202020204" pitchFamily="34" charset="0"/>
-              </a:rPr>
-              <a:t>.</a:t>
-            </a:r>
-          </a:p>
-          <a:p>
-            <a:pPr>
-              <a:buFont typeface="+mj-lt"/>
-              <a:buAutoNum type="arabicPeriod"/>
-            </a:pPr>
-            <a:r>
-              <a:rPr lang="en-US" dirty="0">
-                <a:solidFill>
-                  <a:srgbClr val="222222"/>
-                </a:solidFill>
-                <a:highlight>
-                  <a:srgbClr val="FFFF00"/>
-                </a:highlight>
-                <a:latin typeface="Arial" panose="020B0604020202020204" pitchFamily="34" charset="0"/>
-              </a:rPr>
-              <a:t>Linda is a bank teller </a:t>
-            </a:r>
-            <a:r>
-              <a:rPr lang="en-US" dirty="0">
-                <a:solidFill>
-                  <a:srgbClr val="222222"/>
-                </a:solidFill>
-                <a:highlight>
-                  <a:srgbClr val="FF0000"/>
-                </a:highlight>
-                <a:latin typeface="Arial" panose="020B0604020202020204" pitchFamily="34" charset="0"/>
-              </a:rPr>
-              <a:t>and </a:t>
-            </a:r>
-            <a:r>
-              <a:rPr lang="en-US" dirty="0">
-                <a:solidFill>
-                  <a:srgbClr val="222222"/>
-                </a:solidFill>
-                <a:highlight>
-                  <a:srgbClr val="00FFFF"/>
-                </a:highlight>
-                <a:latin typeface="Arial" panose="020B0604020202020204" pitchFamily="34" charset="0"/>
-              </a:rPr>
-              <a:t>is active in the feminist movement</a:t>
-            </a:r>
-            <a:r>
-              <a:rPr lang="en-US" dirty="0">
-                <a:solidFill>
-                  <a:srgbClr val="222222"/>
-                </a:solidFill>
-                <a:latin typeface="Arial" panose="020B0604020202020204" pitchFamily="34" charset="0"/>
-              </a:rPr>
-              <a:t>.</a:t>
-            </a:r>
-          </a:p>
-          <a:p>
-            <a:pPr marL="0" indent="0">
-              <a:buNone/>
-            </a:pPr>
-            <a:endParaRPr lang="en-US" dirty="0"/>
-          </a:p>
-          <a:p>
-            <a:pPr marL="0" indent="0">
-              <a:buNone/>
-            </a:pPr>
-            <a:r>
-              <a:rPr lang="en-US" b="1" dirty="0"/>
-              <a:t>Majority of participants choose option 2.</a:t>
-            </a:r>
-          </a:p>
-          <a:p>
-            <a:pPr marL="0" indent="0">
-              <a:buNone/>
-            </a:pPr>
-            <a:r>
-              <a:rPr lang="en-US" dirty="0"/>
-              <a:t>However the probability of two events occurring together is always less than or equal to the probability of either one occurring alone.</a:t>
-            </a:r>
-          </a:p>
-        </p:txBody>
-      </p:sp>
-      <p:sp>
-        <p:nvSpPr>
-          <p:cNvPr id="11" name="Rectangle 10">
-            <a:extLst>
-              <a:ext uri="{FF2B5EF4-FFF2-40B4-BE49-F238E27FC236}">
-                <a16:creationId xmlns:a16="http://schemas.microsoft.com/office/drawing/2014/main" id="{26E231F2-5FC7-2049-9C30-4B3C73631481}"/>
-              </a:ext>
-            </a:extLst>
-          </p:cNvPr>
-          <p:cNvSpPr/>
-          <p:nvPr/>
-        </p:nvSpPr>
-        <p:spPr>
-          <a:xfrm>
-            <a:off x="7164125" y="6379306"/>
-            <a:ext cx="4863639" cy="369332"/>
-          </a:xfrm>
-          <a:prstGeom prst="rect">
-            <a:avLst/>
-          </a:prstGeom>
-        </p:spPr>
-        <p:txBody>
-          <a:bodyPr wrap="none">
-            <a:spAutoFit/>
-          </a:bodyPr>
-          <a:lstStyle/>
-          <a:p>
-            <a:r>
-              <a:rPr lang="en-US" dirty="0">
-                <a:hlinkClick r:id="rId2"/>
-              </a:rPr>
-              <a:t>https://en.wikipedia.org/wiki/Conjunction_fallacy</a:t>
-            </a:r>
-            <a:endParaRPr lang="en-US" dirty="0"/>
-          </a:p>
-        </p:txBody>
-      </p:sp>
-      <p:sp>
-        <p:nvSpPr>
-          <p:cNvPr id="4" name="Slide Number Placeholder 3">
-            <a:extLst>
-              <a:ext uri="{FF2B5EF4-FFF2-40B4-BE49-F238E27FC236}">
-                <a16:creationId xmlns:a16="http://schemas.microsoft.com/office/drawing/2014/main" id="{42D1E467-8F33-C142-9A7E-640A5DB1B86C}"/>
-              </a:ext>
-            </a:extLst>
-          </p:cNvPr>
-          <p:cNvSpPr>
-            <a:spLocks noGrp="1"/>
-          </p:cNvSpPr>
-          <p:nvPr>
-            <p:ph type="sldNum" sz="quarter" idx="12"/>
-          </p:nvPr>
-        </p:nvSpPr>
-        <p:spPr/>
-        <p:txBody>
-          <a:bodyPr/>
-          <a:lstStyle/>
-          <a:p>
-            <a:fld id="{D8C804A1-B6BA-5D40-98D1-9C3FE965D78F}" type="slidenum">
-              <a:rPr lang="en-US" smtClean="0"/>
-              <a:t>36</a:t>
-            </a:fld>
-            <a:endParaRPr lang="en-US"/>
-          </a:p>
-        </p:txBody>
-      </p:sp>
-    </p:spTree>
-    <p:extLst>
-      <p:ext uri="{BB962C8B-B14F-4D97-AF65-F5344CB8AC3E}">
-        <p14:creationId xmlns:p14="http://schemas.microsoft.com/office/powerpoint/2010/main" val="19675280"/>
       </p:ext>
     </p:extLst>
   </p:cSld>
@@ -26295,11 +26770,7 @@
             </a:br>
             <a:r>
               <a:rPr lang="en-US" sz="3200" dirty="0"/>
-              <a:t>Ver. 0.1 / Last Update</a:t>
-            </a:r>
-            <a:r>
-              <a:rPr lang="en-US" sz="3200"/>
-              <a:t>: 14/09/2019</a:t>
+              <a:t>Ver. 0.2</a:t>
             </a:r>
             <a:br>
               <a:rPr lang="en-US" dirty="0"/>
@@ -29207,7 +29678,7 @@
           <a:p>
             <a:r>
               <a:rPr lang="en-US" dirty="0">
-                <a:hlinkClick r:id="rId2"/>
+                <a:hlinkClick r:id="rId3"/>
               </a:rPr>
               <a:t>https://en.wikipedia.org/wiki/Anchoring</a:t>
             </a:r>
